--- a/5장/20164091-송희령-5주차 과제.pptx
+++ b/5장/20164091-송희령-5주차 과제.pptx
@@ -15,8 +15,10 @@
     <p:sldId id="326" r:id="rId9"/>
     <p:sldId id="327" r:id="rId10"/>
     <p:sldId id="328" r:id="rId11"/>
-    <p:sldId id="320" r:id="rId12"/>
-    <p:sldId id="258" r:id="rId13"/>
+    <p:sldId id="329" r:id="rId12"/>
+    <p:sldId id="330" r:id="rId13"/>
+    <p:sldId id="320" r:id="rId14"/>
+    <p:sldId id="258" r:id="rId15"/>
   </p:sldIdLst>
   <p:sldSz cx="12192000" cy="6858000"/>
   <p:notesSz cx="6858000" cy="9144000"/>
@@ -4163,7 +4165,7 @@
                   <a:srgbClr val="FF7876"/>
                 </a:solidFill>
               </a:rPr>
-              <a:t>2</a:t>
+              <a:t>3</a:t>
             </a:r>
           </a:p>
         </p:txBody>
@@ -4293,7 +4295,7 @@
                   <a:srgbClr val="FF7876"/>
                 </a:solidFill>
               </a:rPr>
-              <a:t>기상청 데이터 응용 예</a:t>
+              <a:t>임의의 프로그램</a:t>
             </a:r>
             <a:endParaRPr lang="en-US" altLang="ko-KR" sz="1100" i="1" dirty="0">
               <a:solidFill>
@@ -4303,6 +4305,202 @@
           </a:p>
         </p:txBody>
       </p:sp>
+      <p:sp>
+        <p:nvSpPr>
+          <p:cNvPr id="14" name="TextBox 13">
+            <a:extLst>
+              <a:ext uri="{FF2B5EF4-FFF2-40B4-BE49-F238E27FC236}">
+                <a16:creationId xmlns:a16="http://schemas.microsoft.com/office/drawing/2014/main" id="{B2EEF74B-1692-BA45-8956-883EEBFB3876}"/>
+              </a:ext>
+            </a:extLst>
+          </p:cNvPr>
+          <p:cNvSpPr txBox="1"/>
+          <p:nvPr/>
+        </p:nvSpPr>
+        <p:spPr>
+          <a:xfrm>
+            <a:off x="2506747" y="5710206"/>
+            <a:ext cx="7178505" cy="769441"/>
+          </a:xfrm>
+          <a:prstGeom prst="rect">
+            <a:avLst/>
+          </a:prstGeom>
+          <a:noFill/>
+          <a:ln w="12700">
+            <a:solidFill>
+              <a:srgbClr val="FF7876"/>
+            </a:solidFill>
+          </a:ln>
+        </p:spPr>
+        <p:txBody>
+          <a:bodyPr wrap="square" rtlCol="0">
+            <a:spAutoFit/>
+          </a:bodyPr>
+          <a:lstStyle/>
+          <a:p>
+            <a:pPr algn="ctr"/>
+            <a:r>
+              <a:rPr lang="ko-KR" altLang="en-US" sz="1100" dirty="0"/>
+              <a:t>저는 </a:t>
+            </a:r>
+            <a:r>
+              <a:rPr lang="ko-KR" altLang="en-US" sz="1100" dirty="0" err="1"/>
+              <a:t>지난과제에</a:t>
+            </a:r>
+            <a:r>
+              <a:rPr lang="ko-KR" altLang="en-US" sz="1100" dirty="0"/>
+              <a:t> 이어서 접목시키는 방식으로</a:t>
+            </a:r>
+            <a:endParaRPr lang="en-US" altLang="ko-KR" sz="1100" dirty="0"/>
+          </a:p>
+          <a:p>
+            <a:pPr algn="ctr"/>
+            <a:r>
+              <a:rPr lang="ko-KR" altLang="en-US" sz="1100" dirty="0" err="1"/>
+              <a:t>웹상에서</a:t>
+            </a:r>
+            <a:r>
+              <a:rPr lang="ko-KR" altLang="en-US" sz="1100" dirty="0"/>
+              <a:t> 자신의 생년월일을 입력하면</a:t>
+            </a:r>
+            <a:endParaRPr lang="en-US" altLang="ko-KR" sz="1100" dirty="0"/>
+          </a:p>
+          <a:p>
+            <a:pPr algn="ctr"/>
+            <a:r>
+              <a:rPr lang="en-US" altLang="ko-KR" sz="1100" dirty="0"/>
+              <a:t>DB</a:t>
+            </a:r>
+            <a:r>
+              <a:rPr lang="ko-KR" altLang="en-US" sz="1100" dirty="0"/>
+              <a:t>검색을 통해 자신의 탄생석과 </a:t>
+            </a:r>
+            <a:r>
+              <a:rPr lang="ko-KR" altLang="en-US" sz="1100" dirty="0" err="1"/>
+              <a:t>탄생화의</a:t>
+            </a:r>
+            <a:r>
+              <a:rPr lang="ko-KR" altLang="en-US" sz="1100" dirty="0"/>
+              <a:t> 대한 정보를</a:t>
+            </a:r>
+            <a:r>
+              <a:rPr lang="en-US" altLang="ko-KR" sz="1100" dirty="0"/>
+              <a:t> </a:t>
+            </a:r>
+            <a:r>
+              <a:rPr lang="ko-KR" altLang="en-US" sz="1100" dirty="0"/>
+              <a:t>제공해주는 프로그램으로 변화시켜 보았습니다</a:t>
+            </a:r>
+            <a:r>
+              <a:rPr lang="en-US" altLang="ko-KR" sz="1100" dirty="0"/>
+              <a:t>.</a:t>
+            </a:r>
+          </a:p>
+          <a:p>
+            <a:pPr algn="ctr"/>
+            <a:r>
+              <a:rPr lang="ko-KR" altLang="en-US" sz="1100" dirty="0"/>
+              <a:t>탄생석과 </a:t>
+            </a:r>
+            <a:r>
+              <a:rPr lang="ko-KR" altLang="en-US" sz="1100" dirty="0" err="1"/>
+              <a:t>탄생화에</a:t>
+            </a:r>
+            <a:r>
+              <a:rPr lang="ko-KR" altLang="en-US" sz="1100" dirty="0"/>
+              <a:t> 대한 데이터는 웹에서 </a:t>
+            </a:r>
+            <a:r>
+              <a:rPr lang="ko-KR" altLang="en-US" sz="1100" dirty="0" err="1"/>
+              <a:t>크롤링으로</a:t>
+            </a:r>
+            <a:r>
+              <a:rPr lang="ko-KR" altLang="en-US" sz="1100" dirty="0"/>
+              <a:t> 자료를 </a:t>
+            </a:r>
+            <a:r>
+              <a:rPr lang="ko-KR" altLang="en-US" sz="1100" dirty="0" err="1"/>
+              <a:t>추린후</a:t>
+            </a:r>
+            <a:r>
+              <a:rPr lang="ko-KR" altLang="en-US" sz="1100" dirty="0"/>
+              <a:t> </a:t>
+            </a:r>
+            <a:r>
+              <a:rPr lang="en-US" altLang="ko-KR" sz="1100" dirty="0"/>
+              <a:t>DB</a:t>
+            </a:r>
+            <a:r>
+              <a:rPr lang="ko-KR" altLang="en-US" sz="1100" dirty="0"/>
+              <a:t>화 하였습니다</a:t>
+            </a:r>
+            <a:r>
+              <a:rPr lang="en-US" altLang="ko-KR" sz="1100" dirty="0"/>
+              <a:t>.</a:t>
+            </a:r>
+          </a:p>
+        </p:txBody>
+      </p:sp>
+      <p:pic>
+        <p:nvPicPr>
+          <p:cNvPr id="5" name="그림 4">
+            <a:extLst>
+              <a:ext uri="{FF2B5EF4-FFF2-40B4-BE49-F238E27FC236}">
+                <a16:creationId xmlns:a16="http://schemas.microsoft.com/office/drawing/2014/main" id="{1C1D42D7-8ACC-CA41-9F59-6CF706B5502A}"/>
+              </a:ext>
+            </a:extLst>
+          </p:cNvPr>
+          <p:cNvPicPr>
+            <a:picLocks noChangeAspect="1"/>
+          </p:cNvPicPr>
+          <p:nvPr/>
+        </p:nvPicPr>
+        <p:blipFill>
+          <a:blip r:embed="rId2"/>
+          <a:stretch>
+            <a:fillRect/>
+          </a:stretch>
+        </p:blipFill>
+        <p:spPr>
+          <a:xfrm>
+            <a:off x="584273" y="1583554"/>
+            <a:ext cx="5286835" cy="3429000"/>
+          </a:xfrm>
+          <a:prstGeom prst="rect">
+            <a:avLst/>
+          </a:prstGeom>
+        </p:spPr>
+      </p:pic>
+      <p:pic>
+        <p:nvPicPr>
+          <p:cNvPr id="6" name="그림 5">
+            <a:extLst>
+              <a:ext uri="{FF2B5EF4-FFF2-40B4-BE49-F238E27FC236}">
+                <a16:creationId xmlns:a16="http://schemas.microsoft.com/office/drawing/2014/main" id="{2D163624-C06A-C349-963F-8A4DF33A22A1}"/>
+              </a:ext>
+            </a:extLst>
+          </p:cNvPr>
+          <p:cNvPicPr>
+            <a:picLocks noChangeAspect="1"/>
+          </p:cNvPicPr>
+          <p:nvPr/>
+        </p:nvPicPr>
+        <p:blipFill>
+          <a:blip r:embed="rId3"/>
+          <a:stretch>
+            <a:fillRect/>
+          </a:stretch>
+        </p:blipFill>
+        <p:spPr>
+          <a:xfrm>
+            <a:off x="6247016" y="1732249"/>
+            <a:ext cx="5797801" cy="3356224"/>
+          </a:xfrm>
+          <a:prstGeom prst="rect">
+            <a:avLst/>
+          </a:prstGeom>
+        </p:spPr>
+      </p:pic>
     </p:spTree>
     <p:extLst>
       <p:ext uri="{BB962C8B-B14F-4D97-AF65-F5344CB8AC3E}">
@@ -4333,6 +4531,36 @@
           <a:chExt cx="0" cy="0"/>
         </a:xfrm>
       </p:grpSpPr>
+      <p:pic>
+        <p:nvPicPr>
+          <p:cNvPr id="3" name="그림 2">
+            <a:extLst>
+              <a:ext uri="{FF2B5EF4-FFF2-40B4-BE49-F238E27FC236}">
+                <a16:creationId xmlns:a16="http://schemas.microsoft.com/office/drawing/2014/main" id="{606F4567-F560-994C-9572-A79297D5BFC4}"/>
+              </a:ext>
+            </a:extLst>
+          </p:cNvPr>
+          <p:cNvPicPr>
+            <a:picLocks noChangeAspect="1"/>
+          </p:cNvPicPr>
+          <p:nvPr/>
+        </p:nvPicPr>
+        <p:blipFill>
+          <a:blip r:embed="rId2"/>
+          <a:stretch>
+            <a:fillRect/>
+          </a:stretch>
+        </p:blipFill>
+        <p:spPr>
+          <a:xfrm>
+            <a:off x="134263" y="1224732"/>
+            <a:ext cx="5031076" cy="5494769"/>
+          </a:xfrm>
+          <a:prstGeom prst="rect">
+            <a:avLst/>
+          </a:prstGeom>
+        </p:spPr>
+      </p:pic>
       <p:sp>
         <p:nvSpPr>
           <p:cNvPr id="37" name="직사각형 36">
@@ -4502,23 +4730,7 @@
                   <a:srgbClr val="FF7876"/>
                 </a:solidFill>
               </a:rPr>
-              <a:t>임의 프로그램 </a:t>
-            </a:r>
-            <a:r>
-              <a:rPr lang="en-US" altLang="ko-Kore-KR" sz="1100" i="1" dirty="0">
-                <a:solidFill>
-                  <a:srgbClr val="FF7876"/>
-                </a:solidFill>
-              </a:rPr>
-              <a:t>– </a:t>
-            </a:r>
-            <a:r>
-              <a:rPr lang="ko-Kore-KR" altLang="en-US" sz="1100" i="1" dirty="0">
-                <a:solidFill>
-                  <a:srgbClr val="FF7876"/>
-                </a:solidFill>
-              </a:rPr>
-              <a:t>최종결과</a:t>
+              <a:t>임의의 프로그램</a:t>
             </a:r>
             <a:endParaRPr lang="en-US" altLang="ko-KR" sz="1100" i="1" dirty="0">
               <a:solidFill>
@@ -4530,10 +4742,10 @@
       </p:sp>
       <p:sp>
         <p:nvSpPr>
-          <p:cNvPr id="44" name="TextBox 43">
-            <a:extLst>
-              <a:ext uri="{FF2B5EF4-FFF2-40B4-BE49-F238E27FC236}">
-                <a16:creationId xmlns:a16="http://schemas.microsoft.com/office/drawing/2014/main" id="{FFAFEF72-DA94-0C4C-A7C0-3C5BFDFFBAAF}"/>
+          <p:cNvPr id="14" name="TextBox 13">
+            <a:extLst>
+              <a:ext uri="{FF2B5EF4-FFF2-40B4-BE49-F238E27FC236}">
+                <a16:creationId xmlns:a16="http://schemas.microsoft.com/office/drawing/2014/main" id="{B2EEF74B-1692-BA45-8956-883EEBFB3876}"/>
               </a:ext>
             </a:extLst>
           </p:cNvPr>
@@ -4542,8 +4754,8 @@
         </p:nvSpPr>
         <p:spPr>
           <a:xfrm>
-            <a:off x="3339309" y="5240847"/>
-            <a:ext cx="5513379" cy="769441"/>
+            <a:off x="5612235" y="1851058"/>
+            <a:ext cx="3509246" cy="261610"/>
           </a:xfrm>
           <a:prstGeom prst="rect">
             <a:avLst/>
@@ -4563,57 +4775,884 @@
           <a:p>
             <a:pPr algn="ctr"/>
             <a:r>
+              <a:rPr lang="en-US" altLang="ko-KR" sz="1100" dirty="0"/>
+              <a:t>DB</a:t>
+            </a:r>
+            <a:r>
+              <a:rPr lang="ko-KR" altLang="en-US" sz="1100" dirty="0"/>
+              <a:t>에 연결하고 해당 </a:t>
+            </a:r>
+            <a:r>
+              <a:rPr lang="en-US" altLang="ko-KR" sz="1100" dirty="0"/>
+              <a:t>DB</a:t>
+            </a:r>
+            <a:r>
+              <a:rPr lang="ko-KR" altLang="en-US" sz="1100" dirty="0"/>
+              <a:t>에 맞는 커서를 생성합니다</a:t>
+            </a:r>
+            <a:r>
+              <a:rPr lang="en-US" altLang="ko-KR" sz="1100" dirty="0"/>
+              <a:t>.</a:t>
+            </a:r>
+          </a:p>
+        </p:txBody>
+      </p:sp>
+      <p:sp>
+        <p:nvSpPr>
+          <p:cNvPr id="11" name="오른쪽 중괄호[R] 10">
+            <a:extLst>
+              <a:ext uri="{FF2B5EF4-FFF2-40B4-BE49-F238E27FC236}">
+                <a16:creationId xmlns:a16="http://schemas.microsoft.com/office/drawing/2014/main" id="{9C13034B-556F-9F43-A9AE-621EB26E951A}"/>
+              </a:ext>
+            </a:extLst>
+          </p:cNvPr>
+          <p:cNvSpPr/>
+          <p:nvPr/>
+        </p:nvSpPr>
+        <p:spPr>
+          <a:xfrm>
+            <a:off x="3227691" y="2543970"/>
+            <a:ext cx="241918" cy="433899"/>
+          </a:xfrm>
+          <a:prstGeom prst="rightBrace">
+            <a:avLst/>
+          </a:prstGeom>
+          <a:ln w="12700">
+            <a:solidFill>
+              <a:srgbClr val="FF7876"/>
+            </a:solidFill>
+          </a:ln>
+        </p:spPr>
+        <p:style>
+          <a:lnRef idx="1">
+            <a:schemeClr val="accent1"/>
+          </a:lnRef>
+          <a:fillRef idx="0">
+            <a:schemeClr val="accent1"/>
+          </a:fillRef>
+          <a:effectRef idx="0">
+            <a:schemeClr val="accent1"/>
+          </a:effectRef>
+          <a:fontRef idx="minor">
+            <a:schemeClr val="tx1"/>
+          </a:fontRef>
+        </p:style>
+        <p:txBody>
+          <a:bodyPr rtlCol="0" anchor="ctr"/>
+          <a:lstStyle/>
+          <a:p>
+            <a:pPr algn="ctr"/>
+            <a:endParaRPr kumimoji="1" lang="ko-Kore-KR" altLang="en-US" dirty="0"/>
+          </a:p>
+        </p:txBody>
+      </p:sp>
+      <p:cxnSp>
+        <p:nvCxnSpPr>
+          <p:cNvPr id="12" name="직선 화살표 연결선 11">
+            <a:extLst>
+              <a:ext uri="{FF2B5EF4-FFF2-40B4-BE49-F238E27FC236}">
+                <a16:creationId xmlns:a16="http://schemas.microsoft.com/office/drawing/2014/main" id="{CACCA2EA-C441-254D-8FEC-74A1EE2C7E69}"/>
+              </a:ext>
+            </a:extLst>
+          </p:cNvPr>
+          <p:cNvCxnSpPr>
+            <a:cxnSpLocks/>
+            <a:stCxn id="11" idx="1"/>
+          </p:cNvCxnSpPr>
+          <p:nvPr/>
+        </p:nvCxnSpPr>
+        <p:spPr>
+          <a:xfrm flipV="1">
+            <a:off x="3469609" y="1998733"/>
+            <a:ext cx="2142626" cy="762187"/>
+          </a:xfrm>
+          <a:prstGeom prst="straightConnector1">
+            <a:avLst/>
+          </a:prstGeom>
+          <a:ln w="12700">
+            <a:solidFill>
+              <a:srgbClr val="FF7876"/>
+            </a:solidFill>
+            <a:tailEnd type="triangle"/>
+          </a:ln>
+        </p:spPr>
+        <p:style>
+          <a:lnRef idx="1">
+            <a:schemeClr val="accent1"/>
+          </a:lnRef>
+          <a:fillRef idx="0">
+            <a:schemeClr val="accent1"/>
+          </a:fillRef>
+          <a:effectRef idx="0">
+            <a:schemeClr val="accent1"/>
+          </a:effectRef>
+          <a:fontRef idx="minor">
+            <a:schemeClr val="tx1"/>
+          </a:fontRef>
+        </p:style>
+      </p:cxnSp>
+      <p:sp>
+        <p:nvSpPr>
+          <p:cNvPr id="15" name="오른쪽 중괄호[R] 14">
+            <a:extLst>
+              <a:ext uri="{FF2B5EF4-FFF2-40B4-BE49-F238E27FC236}">
+                <a16:creationId xmlns:a16="http://schemas.microsoft.com/office/drawing/2014/main" id="{29323553-AE24-CE48-B59B-625C3B4E7AFE}"/>
+              </a:ext>
+            </a:extLst>
+          </p:cNvPr>
+          <p:cNvSpPr/>
+          <p:nvPr/>
+        </p:nvSpPr>
+        <p:spPr>
+          <a:xfrm>
+            <a:off x="4299004" y="3164572"/>
+            <a:ext cx="241918" cy="433899"/>
+          </a:xfrm>
+          <a:prstGeom prst="rightBrace">
+            <a:avLst/>
+          </a:prstGeom>
+          <a:ln w="12700">
+            <a:solidFill>
+              <a:srgbClr val="FF7876"/>
+            </a:solidFill>
+          </a:ln>
+        </p:spPr>
+        <p:style>
+          <a:lnRef idx="1">
+            <a:schemeClr val="accent1"/>
+          </a:lnRef>
+          <a:fillRef idx="0">
+            <a:schemeClr val="accent1"/>
+          </a:fillRef>
+          <a:effectRef idx="0">
+            <a:schemeClr val="accent1"/>
+          </a:effectRef>
+          <a:fontRef idx="minor">
+            <a:schemeClr val="tx1"/>
+          </a:fontRef>
+        </p:style>
+        <p:txBody>
+          <a:bodyPr rtlCol="0" anchor="ctr"/>
+          <a:lstStyle/>
+          <a:p>
+            <a:pPr algn="ctr"/>
+            <a:endParaRPr kumimoji="1" lang="ko-Kore-KR" altLang="en-US" dirty="0"/>
+          </a:p>
+        </p:txBody>
+      </p:sp>
+      <p:cxnSp>
+        <p:nvCxnSpPr>
+          <p:cNvPr id="16" name="직선 화살표 연결선 15">
+            <a:extLst>
+              <a:ext uri="{FF2B5EF4-FFF2-40B4-BE49-F238E27FC236}">
+                <a16:creationId xmlns:a16="http://schemas.microsoft.com/office/drawing/2014/main" id="{7413183B-7FB1-8E4B-9A19-370007D8BB4C}"/>
+              </a:ext>
+            </a:extLst>
+          </p:cNvPr>
+          <p:cNvCxnSpPr>
+            <a:cxnSpLocks/>
+          </p:cNvCxnSpPr>
+          <p:nvPr/>
+        </p:nvCxnSpPr>
+        <p:spPr>
+          <a:xfrm flipV="1">
+            <a:off x="4540922" y="2705131"/>
+            <a:ext cx="1071313" cy="676391"/>
+          </a:xfrm>
+          <a:prstGeom prst="straightConnector1">
+            <a:avLst/>
+          </a:prstGeom>
+          <a:ln w="12700">
+            <a:solidFill>
+              <a:srgbClr val="FF7876"/>
+            </a:solidFill>
+            <a:tailEnd type="triangle"/>
+          </a:ln>
+        </p:spPr>
+        <p:style>
+          <a:lnRef idx="1">
+            <a:schemeClr val="accent1"/>
+          </a:lnRef>
+          <a:fillRef idx="0">
+            <a:schemeClr val="accent1"/>
+          </a:fillRef>
+          <a:effectRef idx="0">
+            <a:schemeClr val="accent1"/>
+          </a:effectRef>
+          <a:fontRef idx="minor">
+            <a:schemeClr val="tx1"/>
+          </a:fontRef>
+        </p:style>
+      </p:cxnSp>
+      <p:sp>
+        <p:nvSpPr>
+          <p:cNvPr id="18" name="TextBox 17">
+            <a:extLst>
+              <a:ext uri="{FF2B5EF4-FFF2-40B4-BE49-F238E27FC236}">
+                <a16:creationId xmlns:a16="http://schemas.microsoft.com/office/drawing/2014/main" id="{BC83DE28-DE9F-D84B-A8B9-3C694DEE5854}"/>
+              </a:ext>
+            </a:extLst>
+          </p:cNvPr>
+          <p:cNvSpPr txBox="1"/>
+          <p:nvPr/>
+        </p:nvSpPr>
+        <p:spPr>
+          <a:xfrm>
+            <a:off x="5612235" y="2489687"/>
+            <a:ext cx="3509246" cy="430887"/>
+          </a:xfrm>
+          <a:prstGeom prst="rect">
+            <a:avLst/>
+          </a:prstGeom>
+          <a:noFill/>
+          <a:ln w="12700">
+            <a:solidFill>
+              <a:srgbClr val="FF7876"/>
+            </a:solidFill>
+          </a:ln>
+        </p:spPr>
+        <p:txBody>
+          <a:bodyPr wrap="square" rtlCol="0">
+            <a:spAutoFit/>
+          </a:bodyPr>
+          <a:lstStyle/>
+          <a:p>
+            <a:pPr algn="ctr"/>
+            <a:r>
+              <a:rPr lang="ko-KR" altLang="en-US" sz="1100" dirty="0"/>
+              <a:t>탄생석의 정보를 담고있는 사이트 페이지를 불러와</a:t>
+            </a:r>
+            <a:endParaRPr lang="en-US" altLang="ko-KR" sz="1100" dirty="0"/>
+          </a:p>
+          <a:p>
+            <a:pPr algn="ctr"/>
+            <a:r>
+              <a:rPr lang="en-US" altLang="ko-KR" sz="1100" dirty="0" err="1"/>
+              <a:t>BeautifulSoup</a:t>
+            </a:r>
+            <a:r>
+              <a:rPr lang="ko-KR" altLang="en-US" sz="1100" dirty="0" err="1"/>
+              <a:t>으로</a:t>
+            </a:r>
+            <a:r>
+              <a:rPr lang="ko-KR" altLang="en-US" sz="1100" dirty="0"/>
+              <a:t> </a:t>
+            </a:r>
+            <a:r>
+              <a:rPr lang="ko-KR" altLang="en-US" sz="1100" dirty="0" err="1"/>
+              <a:t>파싱합니다</a:t>
+            </a:r>
+            <a:r>
+              <a:rPr lang="en-US" altLang="ko-KR" sz="1100" dirty="0"/>
+              <a:t>.</a:t>
+            </a:r>
+          </a:p>
+        </p:txBody>
+      </p:sp>
+      <p:sp>
+        <p:nvSpPr>
+          <p:cNvPr id="19" name="오른쪽 중괄호[R] 18">
+            <a:extLst>
+              <a:ext uri="{FF2B5EF4-FFF2-40B4-BE49-F238E27FC236}">
+                <a16:creationId xmlns:a16="http://schemas.microsoft.com/office/drawing/2014/main" id="{4B78AC2A-2272-5942-B77C-BDD3B65E7133}"/>
+              </a:ext>
+            </a:extLst>
+          </p:cNvPr>
+          <p:cNvSpPr/>
+          <p:nvPr/>
+        </p:nvSpPr>
+        <p:spPr>
+          <a:xfrm>
+            <a:off x="3633725" y="3815395"/>
+            <a:ext cx="241918" cy="562396"/>
+          </a:xfrm>
+          <a:prstGeom prst="rightBrace">
+            <a:avLst/>
+          </a:prstGeom>
+          <a:ln w="12700">
+            <a:solidFill>
+              <a:srgbClr val="FF7876"/>
+            </a:solidFill>
+          </a:ln>
+        </p:spPr>
+        <p:style>
+          <a:lnRef idx="1">
+            <a:schemeClr val="accent1"/>
+          </a:lnRef>
+          <a:fillRef idx="0">
+            <a:schemeClr val="accent1"/>
+          </a:fillRef>
+          <a:effectRef idx="0">
+            <a:schemeClr val="accent1"/>
+          </a:effectRef>
+          <a:fontRef idx="minor">
+            <a:schemeClr val="tx1"/>
+          </a:fontRef>
+        </p:style>
+        <p:txBody>
+          <a:bodyPr rtlCol="0" anchor="ctr"/>
+          <a:lstStyle/>
+          <a:p>
+            <a:pPr algn="ctr"/>
+            <a:endParaRPr kumimoji="1" lang="ko-Kore-KR" altLang="en-US" dirty="0"/>
+          </a:p>
+        </p:txBody>
+      </p:sp>
+      <p:cxnSp>
+        <p:nvCxnSpPr>
+          <p:cNvPr id="20" name="직선 화살표 연결선 19">
+            <a:extLst>
+              <a:ext uri="{FF2B5EF4-FFF2-40B4-BE49-F238E27FC236}">
+                <a16:creationId xmlns:a16="http://schemas.microsoft.com/office/drawing/2014/main" id="{BFC55B6D-15B0-5A44-9596-568F0FDF6840}"/>
+              </a:ext>
+            </a:extLst>
+          </p:cNvPr>
+          <p:cNvCxnSpPr>
+            <a:cxnSpLocks/>
+          </p:cNvCxnSpPr>
+          <p:nvPr/>
+        </p:nvCxnSpPr>
+        <p:spPr>
+          <a:xfrm flipV="1">
+            <a:off x="3875643" y="3467318"/>
+            <a:ext cx="1837335" cy="629764"/>
+          </a:xfrm>
+          <a:prstGeom prst="straightConnector1">
+            <a:avLst/>
+          </a:prstGeom>
+          <a:ln w="12700">
+            <a:solidFill>
+              <a:srgbClr val="FF7876"/>
+            </a:solidFill>
+            <a:tailEnd type="triangle"/>
+          </a:ln>
+        </p:spPr>
+        <p:style>
+          <a:lnRef idx="1">
+            <a:schemeClr val="accent1"/>
+          </a:lnRef>
+          <a:fillRef idx="0">
+            <a:schemeClr val="accent1"/>
+          </a:fillRef>
+          <a:effectRef idx="0">
+            <a:schemeClr val="accent1"/>
+          </a:effectRef>
+          <a:fontRef idx="minor">
+            <a:schemeClr val="tx1"/>
+          </a:fontRef>
+        </p:style>
+      </p:cxnSp>
+      <p:sp>
+        <p:nvSpPr>
+          <p:cNvPr id="23" name="TextBox 22">
+            <a:extLst>
+              <a:ext uri="{FF2B5EF4-FFF2-40B4-BE49-F238E27FC236}">
+                <a16:creationId xmlns:a16="http://schemas.microsoft.com/office/drawing/2014/main" id="{21ACB653-F317-9540-8F82-CD1EADBC99B5}"/>
+              </a:ext>
+            </a:extLst>
+          </p:cNvPr>
+          <p:cNvSpPr txBox="1"/>
+          <p:nvPr/>
+        </p:nvSpPr>
+        <p:spPr>
+          <a:xfrm>
+            <a:off x="5730374" y="3298195"/>
+            <a:ext cx="4389263" cy="600164"/>
+          </a:xfrm>
+          <a:prstGeom prst="rect">
+            <a:avLst/>
+          </a:prstGeom>
+          <a:noFill/>
+          <a:ln w="12700">
+            <a:solidFill>
+              <a:srgbClr val="FF7876"/>
+            </a:solidFill>
+          </a:ln>
+        </p:spPr>
+        <p:txBody>
+          <a:bodyPr wrap="square" rtlCol="0">
+            <a:spAutoFit/>
+          </a:bodyPr>
+          <a:lstStyle/>
+          <a:p>
+            <a:pPr algn="ctr"/>
+            <a:r>
+              <a:rPr lang="ko-KR" altLang="en-US" sz="1100" dirty="0"/>
+              <a:t>탄생석 정보 테이블을 검색합니다</a:t>
+            </a:r>
+            <a:r>
+              <a:rPr lang="en-US" altLang="ko-KR" sz="1100" dirty="0"/>
+              <a:t>.</a:t>
+            </a:r>
+          </a:p>
+          <a:p>
+            <a:pPr algn="ctr"/>
+            <a:r>
+              <a:rPr lang="en-US" altLang="ko-KR" sz="1100" dirty="0"/>
+              <a:t>class</a:t>
+            </a:r>
+            <a:r>
+              <a:rPr lang="ko-KR" altLang="en-US" sz="1100" dirty="0"/>
+              <a:t>명이 </a:t>
+            </a:r>
+            <a:r>
+              <a:rPr lang="en-US" altLang="ko-KR" sz="1100" dirty="0" err="1"/>
+              <a:t>wikitable</a:t>
+            </a:r>
+            <a:r>
+              <a:rPr lang="en-US" altLang="ko-KR" sz="1100" dirty="0"/>
+              <a:t> </a:t>
+            </a:r>
+            <a:r>
+              <a:rPr lang="ko-KR" altLang="en-US" sz="1100" dirty="0"/>
+              <a:t>인 </a:t>
+            </a:r>
+            <a:r>
+              <a:rPr lang="en-US" altLang="ko-KR" sz="1100" dirty="0"/>
+              <a:t>table</a:t>
+            </a:r>
+            <a:r>
+              <a:rPr lang="ko-KR" altLang="en-US" sz="1100" dirty="0"/>
+              <a:t>태그를 검색합니다</a:t>
+            </a:r>
+            <a:r>
+              <a:rPr lang="en-US" altLang="ko-KR" sz="1100" dirty="0"/>
+              <a:t>.</a:t>
+            </a:r>
+          </a:p>
+          <a:p>
+            <a:pPr algn="ctr"/>
+            <a:r>
+              <a:rPr lang="ko-KR" altLang="en-US" sz="1100" dirty="0"/>
+              <a:t>이후 데이터를 저장할 </a:t>
+            </a:r>
+            <a:r>
+              <a:rPr lang="ko-KR" altLang="en-US" sz="1100" dirty="0" err="1"/>
+              <a:t>리스트변수</a:t>
+            </a:r>
+            <a:r>
+              <a:rPr lang="ko-KR" altLang="en-US" sz="1100" dirty="0"/>
+              <a:t> </a:t>
+            </a:r>
+            <a:r>
+              <a:rPr lang="en-US" altLang="ko-KR" sz="1100" dirty="0" err="1"/>
+              <a:t>bs_data</a:t>
+            </a:r>
+            <a:r>
+              <a:rPr lang="ko-KR" altLang="en-US" sz="1100" dirty="0" err="1"/>
+              <a:t>를</a:t>
+            </a:r>
+            <a:r>
+              <a:rPr lang="ko-KR" altLang="en-US" sz="1100" dirty="0"/>
+              <a:t> 생성합니다</a:t>
+            </a:r>
+            <a:r>
+              <a:rPr lang="en-US" altLang="ko-KR" sz="1100" dirty="0"/>
+              <a:t>.</a:t>
+            </a:r>
+          </a:p>
+        </p:txBody>
+      </p:sp>
+      <p:sp>
+        <p:nvSpPr>
+          <p:cNvPr id="24" name="오른쪽 중괄호[R] 23">
+            <a:extLst>
+              <a:ext uri="{FF2B5EF4-FFF2-40B4-BE49-F238E27FC236}">
+                <a16:creationId xmlns:a16="http://schemas.microsoft.com/office/drawing/2014/main" id="{9455150B-0209-5A40-BF54-953D06FE38C1}"/>
+              </a:ext>
+            </a:extLst>
+          </p:cNvPr>
+          <p:cNvSpPr/>
+          <p:nvPr/>
+        </p:nvSpPr>
+        <p:spPr>
+          <a:xfrm>
+            <a:off x="2256730" y="4704170"/>
+            <a:ext cx="241918" cy="562396"/>
+          </a:xfrm>
+          <a:prstGeom prst="rightBrace">
+            <a:avLst/>
+          </a:prstGeom>
+          <a:ln w="12700">
+            <a:solidFill>
+              <a:srgbClr val="FF7876"/>
+            </a:solidFill>
+          </a:ln>
+        </p:spPr>
+        <p:style>
+          <a:lnRef idx="1">
+            <a:schemeClr val="accent1"/>
+          </a:lnRef>
+          <a:fillRef idx="0">
+            <a:schemeClr val="accent1"/>
+          </a:fillRef>
+          <a:effectRef idx="0">
+            <a:schemeClr val="accent1"/>
+          </a:effectRef>
+          <a:fontRef idx="minor">
+            <a:schemeClr val="tx1"/>
+          </a:fontRef>
+        </p:style>
+        <p:txBody>
+          <a:bodyPr rtlCol="0" anchor="ctr"/>
+          <a:lstStyle/>
+          <a:p>
+            <a:pPr algn="ctr"/>
+            <a:endParaRPr kumimoji="1" lang="ko-Kore-KR" altLang="en-US" dirty="0"/>
+          </a:p>
+        </p:txBody>
+      </p:sp>
+      <p:cxnSp>
+        <p:nvCxnSpPr>
+          <p:cNvPr id="25" name="직선 화살표 연결선 24">
+            <a:extLst>
+              <a:ext uri="{FF2B5EF4-FFF2-40B4-BE49-F238E27FC236}">
+                <a16:creationId xmlns:a16="http://schemas.microsoft.com/office/drawing/2014/main" id="{D8163A2D-CD81-CF4C-837E-7222B88C08E8}"/>
+              </a:ext>
+            </a:extLst>
+          </p:cNvPr>
+          <p:cNvCxnSpPr>
+            <a:cxnSpLocks/>
+          </p:cNvCxnSpPr>
+          <p:nvPr/>
+        </p:nvCxnSpPr>
+        <p:spPr>
+          <a:xfrm flipV="1">
+            <a:off x="2498648" y="4327151"/>
+            <a:ext cx="3113587" cy="658217"/>
+          </a:xfrm>
+          <a:prstGeom prst="straightConnector1">
+            <a:avLst/>
+          </a:prstGeom>
+          <a:ln w="12700">
+            <a:solidFill>
+              <a:srgbClr val="FF7876"/>
+            </a:solidFill>
+            <a:tailEnd type="triangle"/>
+          </a:ln>
+        </p:spPr>
+        <p:style>
+          <a:lnRef idx="1">
+            <a:schemeClr val="accent1"/>
+          </a:lnRef>
+          <a:fillRef idx="0">
+            <a:schemeClr val="accent1"/>
+          </a:fillRef>
+          <a:effectRef idx="0">
+            <a:schemeClr val="accent1"/>
+          </a:effectRef>
+          <a:fontRef idx="minor">
+            <a:schemeClr val="tx1"/>
+          </a:fontRef>
+        </p:style>
+      </p:cxnSp>
+      <p:sp>
+        <p:nvSpPr>
+          <p:cNvPr id="28" name="TextBox 27">
+            <a:extLst>
+              <a:ext uri="{FF2B5EF4-FFF2-40B4-BE49-F238E27FC236}">
+                <a16:creationId xmlns:a16="http://schemas.microsoft.com/office/drawing/2014/main" id="{E3A19AE0-50EE-7D4D-A8C4-89AF446ACD61}"/>
+              </a:ext>
+            </a:extLst>
+          </p:cNvPr>
+          <p:cNvSpPr txBox="1"/>
+          <p:nvPr/>
+        </p:nvSpPr>
+        <p:spPr>
+          <a:xfrm>
+            <a:off x="5606719" y="4063902"/>
+            <a:ext cx="4389263" cy="430887"/>
+          </a:xfrm>
+          <a:prstGeom prst="rect">
+            <a:avLst/>
+          </a:prstGeom>
+          <a:noFill/>
+          <a:ln w="12700">
+            <a:solidFill>
+              <a:srgbClr val="FF7876"/>
+            </a:solidFill>
+          </a:ln>
+        </p:spPr>
+        <p:txBody>
+          <a:bodyPr wrap="square" rtlCol="0">
+            <a:spAutoFit/>
+          </a:bodyPr>
+          <a:lstStyle/>
+          <a:p>
+            <a:pPr algn="ctr"/>
+            <a:r>
               <a:rPr lang="ko-Kore-KR" altLang="en-US" sz="1100" dirty="0"/>
-              <a:t>렌더링된 </a:t>
-            </a:r>
-            <a:r>
-              <a:rPr lang="en-US" altLang="ko-Kore-KR" sz="1100" dirty="0"/>
-              <a:t>show</a:t>
-            </a:r>
+              <a:t>테이블 내의 데이터에서 해당 데이터에 맞는 태그들을 검색하고</a:t>
+            </a:r>
+            <a:endParaRPr lang="en-US" altLang="ko-Kore-KR" sz="1100" dirty="0"/>
+          </a:p>
+          <a:p>
+            <a:pPr algn="ctr"/>
             <a:r>
               <a:rPr lang="ko-Kore-KR" altLang="en-US" sz="1100" dirty="0"/>
-              <a:t>페이지 입니다</a:t>
+              <a:t>데이터 저장 리스트 변수에 추가하도록 합니다</a:t>
             </a:r>
             <a:r>
               <a:rPr lang="en-US" altLang="ko-Kore-KR" sz="1100" dirty="0"/>
               <a:t>.</a:t>
             </a:r>
-          </a:p>
+            <a:endParaRPr lang="en-US" altLang="ko-KR" sz="1100" dirty="0"/>
+          </a:p>
+        </p:txBody>
+      </p:sp>
+      <p:cxnSp>
+        <p:nvCxnSpPr>
+          <p:cNvPr id="29" name="직선 화살표 연결선 28">
+            <a:extLst>
+              <a:ext uri="{FF2B5EF4-FFF2-40B4-BE49-F238E27FC236}">
+                <a16:creationId xmlns:a16="http://schemas.microsoft.com/office/drawing/2014/main" id="{EBF88905-46C3-184B-9F80-8371021A89CF}"/>
+              </a:ext>
+            </a:extLst>
+          </p:cNvPr>
+          <p:cNvCxnSpPr>
+            <a:cxnSpLocks/>
+            <a:endCxn id="33" idx="1"/>
+          </p:cNvCxnSpPr>
+          <p:nvPr/>
+        </p:nvCxnSpPr>
+        <p:spPr>
+          <a:xfrm flipV="1">
+            <a:off x="5239003" y="5581000"/>
+            <a:ext cx="611539" cy="429288"/>
+          </a:xfrm>
+          <a:prstGeom prst="straightConnector1">
+            <a:avLst/>
+          </a:prstGeom>
+          <a:ln w="12700">
+            <a:solidFill>
+              <a:srgbClr val="FF7876"/>
+            </a:solidFill>
+            <a:tailEnd type="triangle"/>
+          </a:ln>
+        </p:spPr>
+        <p:style>
+          <a:lnRef idx="1">
+            <a:schemeClr val="accent1"/>
+          </a:lnRef>
+          <a:fillRef idx="0">
+            <a:schemeClr val="accent1"/>
+          </a:fillRef>
+          <a:effectRef idx="0">
+            <a:schemeClr val="accent1"/>
+          </a:effectRef>
+          <a:fontRef idx="minor">
+            <a:schemeClr val="tx1"/>
+          </a:fontRef>
+        </p:style>
+      </p:cxnSp>
+      <p:sp>
+        <p:nvSpPr>
+          <p:cNvPr id="30" name="오른쪽 중괄호[R] 29">
+            <a:extLst>
+              <a:ext uri="{FF2B5EF4-FFF2-40B4-BE49-F238E27FC236}">
+                <a16:creationId xmlns:a16="http://schemas.microsoft.com/office/drawing/2014/main" id="{9FFB162E-4736-EF48-930E-956AC2CE0452}"/>
+              </a:ext>
+            </a:extLst>
+          </p:cNvPr>
+          <p:cNvSpPr/>
+          <p:nvPr/>
+        </p:nvSpPr>
+        <p:spPr>
+          <a:xfrm>
+            <a:off x="4997085" y="5399378"/>
+            <a:ext cx="241918" cy="1230160"/>
+          </a:xfrm>
+          <a:prstGeom prst="rightBrace">
+            <a:avLst/>
+          </a:prstGeom>
+          <a:ln w="12700">
+            <a:solidFill>
+              <a:srgbClr val="FF7876"/>
+            </a:solidFill>
+          </a:ln>
+        </p:spPr>
+        <p:style>
+          <a:lnRef idx="1">
+            <a:schemeClr val="accent1"/>
+          </a:lnRef>
+          <a:fillRef idx="0">
+            <a:schemeClr val="accent1"/>
+          </a:fillRef>
+          <a:effectRef idx="0">
+            <a:schemeClr val="accent1"/>
+          </a:effectRef>
+          <a:fontRef idx="minor">
+            <a:schemeClr val="tx1"/>
+          </a:fontRef>
+        </p:style>
+        <p:txBody>
+          <a:bodyPr rtlCol="0" anchor="ctr"/>
+          <a:lstStyle/>
           <a:p>
             <a:pPr algn="ctr"/>
-            <a:r>
-              <a:rPr lang="ko-Kore-KR" altLang="en-US" sz="1100" dirty="0"/>
-              <a:t>입력받은 값이 정상적으로 넘어와 적용된것과</a:t>
-            </a:r>
-            <a:endParaRPr lang="en-US" altLang="ko-Kore-KR" sz="1100" dirty="0"/>
-          </a:p>
+            <a:endParaRPr kumimoji="1" lang="ko-Kore-KR" altLang="en-US" dirty="0"/>
+          </a:p>
+        </p:txBody>
+      </p:sp>
+      <p:sp>
+        <p:nvSpPr>
+          <p:cNvPr id="33" name="TextBox 32">
+            <a:extLst>
+              <a:ext uri="{FF2B5EF4-FFF2-40B4-BE49-F238E27FC236}">
+                <a16:creationId xmlns:a16="http://schemas.microsoft.com/office/drawing/2014/main" id="{03B9BECF-0957-AD4F-B10D-70EFE2812A39}"/>
+              </a:ext>
+            </a:extLst>
+          </p:cNvPr>
+          <p:cNvSpPr txBox="1"/>
+          <p:nvPr/>
+        </p:nvSpPr>
+        <p:spPr>
+          <a:xfrm>
+            <a:off x="5850542" y="5196279"/>
+            <a:ext cx="5455477" cy="769441"/>
+          </a:xfrm>
+          <a:prstGeom prst="rect">
+            <a:avLst/>
+          </a:prstGeom>
+          <a:noFill/>
+          <a:ln w="12700">
+            <a:solidFill>
+              <a:srgbClr val="FF7876"/>
+            </a:solidFill>
+          </a:ln>
+        </p:spPr>
+        <p:txBody>
+          <a:bodyPr wrap="square" rtlCol="0">
+            <a:spAutoFit/>
+          </a:bodyPr>
+          <a:lstStyle/>
           <a:p>
             <a:pPr algn="ctr"/>
             <a:r>
-              <a:rPr lang="ko-Kore-KR" altLang="en-US" sz="1100" dirty="0"/>
-              <a:t>크롤링에 성공과 실패 여부에 맞게 정상적으로 출력되는 것을 </a:t>
-            </a:r>
-            <a:endParaRPr lang="en-US" altLang="ko-Kore-KR" sz="1100" dirty="0"/>
+              <a:rPr lang="ko-KR" altLang="en-US" sz="1100" dirty="0"/>
+              <a:t>이후 데이터들을 </a:t>
+            </a:r>
+            <a:r>
+              <a:rPr lang="en-US" altLang="ko-KR" sz="1100" dirty="0"/>
+              <a:t>DB</a:t>
+            </a:r>
+            <a:r>
+              <a:rPr lang="ko-KR" altLang="en-US" sz="1100" dirty="0"/>
+              <a:t>에 삽입하도록 합니다</a:t>
+            </a:r>
+            <a:r>
+              <a:rPr lang="en-US" altLang="ko-KR" sz="1100" dirty="0"/>
+              <a:t>.</a:t>
+            </a:r>
           </a:p>
           <a:p>
             <a:pPr algn="ctr"/>
             <a:r>
-              <a:rPr lang="ko-Kore-KR" altLang="en-US" sz="1100" dirty="0"/>
-              <a:t>볼 수 있습니다</a:t>
-            </a:r>
-            <a:r>
-              <a:rPr lang="en-US" altLang="ko-Kore-KR" sz="1100" dirty="0"/>
+              <a:rPr lang="ko-KR" altLang="en-US" sz="1100" dirty="0"/>
+              <a:t>데이터 저장 리스트에 날짜</a:t>
+            </a:r>
+            <a:r>
+              <a:rPr lang="en-US" altLang="ko-KR" sz="1100" dirty="0"/>
+              <a:t>, </a:t>
+            </a:r>
+            <a:r>
+              <a:rPr lang="ko-KR" altLang="en-US" sz="1100" dirty="0" err="1"/>
+              <a:t>탄생석이름</a:t>
+            </a:r>
+            <a:r>
+              <a:rPr lang="en-US" altLang="ko-KR" sz="1100" dirty="0"/>
+              <a:t>, </a:t>
+            </a:r>
+            <a:r>
+              <a:rPr lang="ko-KR" altLang="en-US" sz="1100" dirty="0" err="1"/>
+              <a:t>탄생석뜻</a:t>
+            </a:r>
+            <a:r>
+              <a:rPr lang="ko-KR" altLang="en-US" sz="1100" dirty="0"/>
+              <a:t> 순서대로 저장하였기에</a:t>
+            </a:r>
+            <a:endParaRPr lang="en-US" altLang="ko-KR" sz="1100" dirty="0"/>
+          </a:p>
+          <a:p>
+            <a:pPr algn="ctr"/>
+            <a:r>
+              <a:rPr lang="en-US" altLang="ko-KR" sz="1100" dirty="0"/>
+              <a:t>while</a:t>
+            </a:r>
+            <a:r>
+              <a:rPr lang="ko-KR" altLang="en-US" sz="1100" dirty="0"/>
+              <a:t>문을 통해 전체적으로 데이터를 삽입하게 하였습니다</a:t>
+            </a:r>
+            <a:r>
+              <a:rPr lang="en-US" altLang="ko-KR" sz="1100" dirty="0"/>
               <a:t>.</a:t>
             </a:r>
           </a:p>
-        </p:txBody>
-      </p:sp>
+          <a:p>
+            <a:pPr algn="ctr"/>
+            <a:r>
+              <a:rPr lang="ko-KR" altLang="en-US" sz="1100" dirty="0"/>
+              <a:t>이후 </a:t>
+            </a:r>
+            <a:r>
+              <a:rPr lang="ko-KR" altLang="en-US" sz="1100" dirty="0" err="1"/>
+              <a:t>커밋명령으로</a:t>
+            </a:r>
+            <a:r>
+              <a:rPr lang="ko-KR" altLang="en-US" sz="1100" dirty="0"/>
+              <a:t> </a:t>
+            </a:r>
+            <a:r>
+              <a:rPr lang="en-US" altLang="ko-KR" sz="1100" dirty="0"/>
+              <a:t>DB</a:t>
+            </a:r>
+            <a:r>
+              <a:rPr lang="ko-KR" altLang="en-US" sz="1100" dirty="0"/>
+              <a:t>에 삽입한 데이터들을 저장하도록 하였습니다</a:t>
+            </a:r>
+            <a:r>
+              <a:rPr lang="en-US" altLang="ko-KR" sz="1100" dirty="0"/>
+              <a:t>.</a:t>
+            </a:r>
+          </a:p>
+        </p:txBody>
+      </p:sp>
+    </p:spTree>
+    <p:extLst>
+      <p:ext uri="{BB962C8B-B14F-4D97-AF65-F5344CB8AC3E}">
+        <p14:creationId xmlns:p14="http://schemas.microsoft.com/office/powerpoint/2010/main" val="1990440437"/>
+      </p:ext>
+    </p:extLst>
+  </p:cSld>
+  <p:clrMapOvr>
+    <a:masterClrMapping/>
+  </p:clrMapOvr>
+</p:sld>
+</file>
+
+<file path=ppt/slides/slide12.xml><?xml version="1.0" encoding="utf-8"?>
+<p:sld xmlns:a="http://schemas.openxmlformats.org/drawingml/2006/main" xmlns:r="http://schemas.openxmlformats.org/officeDocument/2006/relationships" xmlns:p="http://schemas.openxmlformats.org/presentationml/2006/main">
+  <p:cSld>
+    <p:spTree>
+      <p:nvGrpSpPr>
+        <p:cNvPr id="1" name=""/>
+        <p:cNvGrpSpPr/>
+        <p:nvPr/>
+      </p:nvGrpSpPr>
+      <p:grpSpPr>
+        <a:xfrm>
+          <a:off x="0" y="0"/>
+          <a:ext cx="0" cy="0"/>
+          <a:chOff x="0" y="0"/>
+          <a:chExt cx="0" cy="0"/>
+        </a:xfrm>
+      </p:grpSpPr>
       <p:pic>
         <p:nvPicPr>
-          <p:cNvPr id="4" name="그림 3">
-            <a:extLst>
-              <a:ext uri="{FF2B5EF4-FFF2-40B4-BE49-F238E27FC236}">
-                <a16:creationId xmlns:a16="http://schemas.microsoft.com/office/drawing/2014/main" id="{3B3D1B27-7C58-2E46-9B5E-B6C9F678B168}"/>
+          <p:cNvPr id="2" name="그림 1">
+            <a:extLst>
+              <a:ext uri="{FF2B5EF4-FFF2-40B4-BE49-F238E27FC236}">
+                <a16:creationId xmlns:a16="http://schemas.microsoft.com/office/drawing/2014/main" id="{22FD52A8-47E4-E549-835E-0670B93A50E1}"/>
               </a:ext>
             </a:extLst>
           </p:cNvPr>
@@ -4630,141 +5669,86 @@
         </p:blipFill>
         <p:spPr>
           <a:xfrm>
-            <a:off x="96006" y="1363231"/>
-            <a:ext cx="5995772" cy="3443438"/>
+            <a:off x="46818" y="1236734"/>
+            <a:ext cx="6603663" cy="5517859"/>
           </a:xfrm>
           <a:prstGeom prst="rect">
             <a:avLst/>
           </a:prstGeom>
         </p:spPr>
       </p:pic>
-      <p:pic>
-        <p:nvPicPr>
-          <p:cNvPr id="5" name="그림 4">
-            <a:extLst>
-              <a:ext uri="{FF2B5EF4-FFF2-40B4-BE49-F238E27FC236}">
-                <a16:creationId xmlns:a16="http://schemas.microsoft.com/office/drawing/2014/main" id="{4BA4A425-05D8-994F-A4F9-D84D4128B336}"/>
-              </a:ext>
-            </a:extLst>
-          </p:cNvPr>
-          <p:cNvPicPr>
-            <a:picLocks noChangeAspect="1"/>
-          </p:cNvPicPr>
-          <p:nvPr/>
-        </p:nvPicPr>
-        <p:blipFill>
-          <a:blip r:embed="rId3"/>
-          <a:stretch>
-            <a:fillRect/>
-          </a:stretch>
-        </p:blipFill>
+      <p:sp>
+        <p:nvSpPr>
+          <p:cNvPr id="37" name="직사각형 36">
+            <a:extLst>
+              <a:ext uri="{FF2B5EF4-FFF2-40B4-BE49-F238E27FC236}">
+                <a16:creationId xmlns:a16="http://schemas.microsoft.com/office/drawing/2014/main" id="{3F15C60C-17FE-422D-AFCF-73C75A021362}"/>
+              </a:ext>
+            </a:extLst>
+          </p:cNvPr>
+          <p:cNvSpPr/>
+          <p:nvPr/>
+        </p:nvSpPr>
         <p:spPr>
           <a:xfrm>
-            <a:off x="3835624" y="2040423"/>
-            <a:ext cx="1942519" cy="758871"/>
+            <a:off x="3697172" y="332194"/>
+            <a:ext cx="4713765" cy="735842"/>
           </a:xfrm>
           <a:prstGeom prst="rect">
             <a:avLst/>
           </a:prstGeom>
-          <a:ln w="12700">
+        </p:spPr>
+        <p:txBody>
+          <a:bodyPr wrap="square">
+            <a:spAutoFit/>
+          </a:bodyPr>
+          <a:lstStyle/>
+          <a:p>
+            <a:pPr algn="ctr" latinLnBrk="0">
+              <a:lnSpc>
+                <a:spcPct val="150000"/>
+              </a:lnSpc>
+              <a:defRPr/>
+            </a:pPr>
+            <a:r>
+              <a:rPr lang="en-US" altLang="ko-KR" sz="3200" b="1" i="1" kern="0" dirty="0">
+                <a:solidFill>
+                  <a:srgbClr val="FF7876"/>
+                </a:solidFill>
+              </a:rPr>
+              <a:t>3</a:t>
+            </a:r>
+          </a:p>
+        </p:txBody>
+      </p:sp>
+      <p:cxnSp>
+        <p:nvCxnSpPr>
+          <p:cNvPr id="38" name="직선 연결선 37">
+            <a:extLst>
+              <a:ext uri="{FF2B5EF4-FFF2-40B4-BE49-F238E27FC236}">
+                <a16:creationId xmlns:a16="http://schemas.microsoft.com/office/drawing/2014/main" id="{940134F4-F272-426A-B50B-8075427DF501}"/>
+              </a:ext>
+            </a:extLst>
+          </p:cNvPr>
+          <p:cNvCxnSpPr>
+            <a:cxnSpLocks/>
+          </p:cNvCxnSpPr>
+          <p:nvPr/>
+        </p:nvCxnSpPr>
+        <p:spPr>
+          <a:xfrm flipV="1">
+            <a:off x="843148" y="847712"/>
+            <a:ext cx="4769087" cy="1"/>
+          </a:xfrm>
+          <a:prstGeom prst="line">
+            <a:avLst/>
+          </a:prstGeom>
+          <a:ln w="6350">
             <a:solidFill>
               <a:srgbClr val="FF7876"/>
             </a:solidFill>
-          </a:ln>
-        </p:spPr>
-      </p:pic>
-      <p:pic>
-        <p:nvPicPr>
-          <p:cNvPr id="6" name="그림 5">
-            <a:extLst>
-              <a:ext uri="{FF2B5EF4-FFF2-40B4-BE49-F238E27FC236}">
-                <a16:creationId xmlns:a16="http://schemas.microsoft.com/office/drawing/2014/main" id="{40663615-7E9E-384E-A49F-EF00976BAEF5}"/>
-              </a:ext>
-            </a:extLst>
-          </p:cNvPr>
-          <p:cNvPicPr>
-            <a:picLocks noChangeAspect="1"/>
-          </p:cNvPicPr>
-          <p:nvPr/>
-        </p:nvPicPr>
-        <p:blipFill>
-          <a:blip r:embed="rId4"/>
-          <a:stretch>
-            <a:fillRect/>
-          </a:stretch>
-        </p:blipFill>
-        <p:spPr>
-          <a:xfrm>
-            <a:off x="6091778" y="1363231"/>
-            <a:ext cx="5995772" cy="3443438"/>
-          </a:xfrm>
-          <a:prstGeom prst="rect">
-            <a:avLst/>
-          </a:prstGeom>
-        </p:spPr>
-      </p:pic>
-      <p:pic>
-        <p:nvPicPr>
-          <p:cNvPr id="7" name="그림 6">
-            <a:extLst>
-              <a:ext uri="{FF2B5EF4-FFF2-40B4-BE49-F238E27FC236}">
-                <a16:creationId xmlns:a16="http://schemas.microsoft.com/office/drawing/2014/main" id="{2CF74E4C-2AF5-2248-8D39-F56F155B6B1A}"/>
-              </a:ext>
-            </a:extLst>
-          </p:cNvPr>
-          <p:cNvPicPr>
-            <a:picLocks noChangeAspect="1"/>
-          </p:cNvPicPr>
-          <p:nvPr/>
-        </p:nvPicPr>
-        <p:blipFill>
-          <a:blip r:embed="rId5"/>
-          <a:stretch>
-            <a:fillRect/>
-          </a:stretch>
-        </p:blipFill>
-        <p:spPr>
-          <a:xfrm>
-            <a:off x="9831396" y="2092277"/>
-            <a:ext cx="1942519" cy="760329"/>
-          </a:xfrm>
-          <a:prstGeom prst="rect">
-            <a:avLst/>
-          </a:prstGeom>
-          <a:ln w="12700">
-            <a:solidFill>
-              <a:srgbClr val="FF7876"/>
-            </a:solidFill>
-          </a:ln>
-        </p:spPr>
-      </p:pic>
-      <p:cxnSp>
-        <p:nvCxnSpPr>
-          <p:cNvPr id="14" name="직선 화살표 연결선 13">
-            <a:extLst>
-              <a:ext uri="{FF2B5EF4-FFF2-40B4-BE49-F238E27FC236}">
-                <a16:creationId xmlns:a16="http://schemas.microsoft.com/office/drawing/2014/main" id="{9FB15F60-6216-5C48-8386-F690FCAA4A1F}"/>
-              </a:ext>
-            </a:extLst>
-          </p:cNvPr>
-          <p:cNvCxnSpPr>
-            <a:cxnSpLocks/>
-          </p:cNvCxnSpPr>
-          <p:nvPr/>
-        </p:nvCxnSpPr>
-        <p:spPr>
-          <a:xfrm flipH="1" flipV="1">
-            <a:off x="3339309" y="1893536"/>
-            <a:ext cx="496315" cy="328115"/>
-          </a:xfrm>
-          <a:prstGeom prst="straightConnector1">
-            <a:avLst/>
-          </a:prstGeom>
-          <a:ln w="12700">
-            <a:solidFill>
-              <a:srgbClr val="FF7876"/>
-            </a:solidFill>
-            <a:tailEnd type="triangle"/>
+            <a:prstDash val="sysDash"/>
+            <a:tailEnd type="oval"/>
           </a:ln>
         </p:spPr>
         <p:style>
@@ -4784,10 +5768,10 @@
       </p:cxnSp>
       <p:cxnSp>
         <p:nvCxnSpPr>
-          <p:cNvPr id="16" name="직선 화살표 연결선 15">
-            <a:extLst>
-              <a:ext uri="{FF2B5EF4-FFF2-40B4-BE49-F238E27FC236}">
-                <a16:creationId xmlns:a16="http://schemas.microsoft.com/office/drawing/2014/main" id="{B3977BA0-7DD8-F64E-83D1-209CA5781F7A}"/>
+          <p:cNvPr id="39" name="직선 연결선 38">
+            <a:extLst>
+              <a:ext uri="{FF2B5EF4-FFF2-40B4-BE49-F238E27FC236}">
+                <a16:creationId xmlns:a16="http://schemas.microsoft.com/office/drawing/2014/main" id="{55EBD739-0979-4546-8E6B-9CA8052FC540}"/>
               </a:ext>
             </a:extLst>
           </p:cNvPr>
@@ -4797,9 +5781,218 @@
           <p:nvPr/>
         </p:nvCxnSpPr>
         <p:spPr>
-          <a:xfrm flipH="1" flipV="1">
-            <a:off x="9335081" y="1928220"/>
-            <a:ext cx="496315" cy="328115"/>
+          <a:xfrm flipH="1">
+            <a:off x="6579767" y="847712"/>
+            <a:ext cx="4692810" cy="0"/>
+          </a:xfrm>
+          <a:prstGeom prst="line">
+            <a:avLst/>
+          </a:prstGeom>
+          <a:ln w="6350">
+            <a:solidFill>
+              <a:srgbClr val="FF7876"/>
+            </a:solidFill>
+            <a:prstDash val="sysDash"/>
+            <a:tailEnd type="oval"/>
+          </a:ln>
+        </p:spPr>
+        <p:style>
+          <a:lnRef idx="1">
+            <a:schemeClr val="accent1"/>
+          </a:lnRef>
+          <a:fillRef idx="0">
+            <a:schemeClr val="accent1"/>
+          </a:fillRef>
+          <a:effectRef idx="0">
+            <a:schemeClr val="accent1"/>
+          </a:effectRef>
+          <a:fontRef idx="minor">
+            <a:schemeClr val="tx1"/>
+          </a:fontRef>
+        </p:style>
+      </p:cxnSp>
+      <p:sp>
+        <p:nvSpPr>
+          <p:cNvPr id="8" name="TextBox 7">
+            <a:extLst>
+              <a:ext uri="{FF2B5EF4-FFF2-40B4-BE49-F238E27FC236}">
+                <a16:creationId xmlns:a16="http://schemas.microsoft.com/office/drawing/2014/main" id="{C18154B9-4F65-4277-8C17-63D9702FC25F}"/>
+              </a:ext>
+            </a:extLst>
+          </p:cNvPr>
+          <p:cNvSpPr txBox="1"/>
+          <p:nvPr/>
+        </p:nvSpPr>
+        <p:spPr>
+          <a:xfrm>
+            <a:off x="765146" y="963122"/>
+            <a:ext cx="10507430" cy="261610"/>
+          </a:xfrm>
+          <a:prstGeom prst="rect">
+            <a:avLst/>
+          </a:prstGeom>
+          <a:noFill/>
+        </p:spPr>
+        <p:txBody>
+          <a:bodyPr wrap="square" rtlCol="0">
+            <a:spAutoFit/>
+          </a:bodyPr>
+          <a:lstStyle/>
+          <a:p>
+            <a:pPr algn="ctr"/>
+            <a:r>
+              <a:rPr lang="ko-Kore-KR" altLang="en-US" sz="1100" i="1" dirty="0">
+                <a:solidFill>
+                  <a:srgbClr val="FF7876"/>
+                </a:solidFill>
+              </a:rPr>
+              <a:t>임의의 프로그램</a:t>
+            </a:r>
+            <a:endParaRPr lang="en-US" altLang="ko-KR" sz="1100" i="1" dirty="0">
+              <a:solidFill>
+                <a:srgbClr val="FF7876"/>
+              </a:solidFill>
+            </a:endParaRPr>
+          </a:p>
+        </p:txBody>
+      </p:sp>
+      <p:sp>
+        <p:nvSpPr>
+          <p:cNvPr id="14" name="TextBox 13">
+            <a:extLst>
+              <a:ext uri="{FF2B5EF4-FFF2-40B4-BE49-F238E27FC236}">
+                <a16:creationId xmlns:a16="http://schemas.microsoft.com/office/drawing/2014/main" id="{B2EEF74B-1692-BA45-8956-883EEBFB3876}"/>
+              </a:ext>
+            </a:extLst>
+          </p:cNvPr>
+          <p:cNvSpPr txBox="1"/>
+          <p:nvPr/>
+        </p:nvSpPr>
+        <p:spPr>
+          <a:xfrm>
+            <a:off x="8145042" y="1452749"/>
+            <a:ext cx="3509246" cy="430887"/>
+          </a:xfrm>
+          <a:prstGeom prst="rect">
+            <a:avLst/>
+          </a:prstGeom>
+          <a:noFill/>
+          <a:ln w="12700">
+            <a:solidFill>
+              <a:srgbClr val="FF7876"/>
+            </a:solidFill>
+          </a:ln>
+        </p:spPr>
+        <p:txBody>
+          <a:bodyPr wrap="square" rtlCol="0">
+            <a:spAutoFit/>
+          </a:bodyPr>
+          <a:lstStyle/>
+          <a:p>
+            <a:pPr algn="ctr"/>
+            <a:r>
+              <a:rPr lang="ko-KR" altLang="en-US" sz="1100" dirty="0" err="1"/>
+              <a:t>탄생화</a:t>
+            </a:r>
+            <a:r>
+              <a:rPr lang="ko-KR" altLang="en-US" sz="1100" dirty="0"/>
+              <a:t> 정보 사이트의 페이지를</a:t>
+            </a:r>
+            <a:endParaRPr lang="en-US" altLang="ko-KR" sz="1100" dirty="0"/>
+          </a:p>
+          <a:p>
+            <a:pPr algn="ctr"/>
+            <a:r>
+              <a:rPr lang="en-US" altLang="ko-KR" sz="1100" dirty="0"/>
+              <a:t>BS</a:t>
+            </a:r>
+            <a:r>
+              <a:rPr lang="ko-KR" altLang="en-US" sz="1100" dirty="0"/>
+              <a:t>로 </a:t>
+            </a:r>
+            <a:r>
+              <a:rPr lang="ko-KR" altLang="en-US" sz="1100" dirty="0" err="1"/>
+              <a:t>파싱하도록</a:t>
+            </a:r>
+            <a:r>
+              <a:rPr lang="ko-KR" altLang="en-US" sz="1100" dirty="0"/>
+              <a:t> 합니다</a:t>
+            </a:r>
+            <a:r>
+              <a:rPr lang="en-US" altLang="ko-KR" sz="1100" dirty="0"/>
+              <a:t>.</a:t>
+            </a:r>
+          </a:p>
+        </p:txBody>
+      </p:sp>
+      <p:sp>
+        <p:nvSpPr>
+          <p:cNvPr id="11" name="오른쪽 중괄호[R] 10">
+            <a:extLst>
+              <a:ext uri="{FF2B5EF4-FFF2-40B4-BE49-F238E27FC236}">
+                <a16:creationId xmlns:a16="http://schemas.microsoft.com/office/drawing/2014/main" id="{9C13034B-556F-9F43-A9AE-621EB26E951A}"/>
+              </a:ext>
+            </a:extLst>
+          </p:cNvPr>
+          <p:cNvSpPr/>
+          <p:nvPr/>
+        </p:nvSpPr>
+        <p:spPr>
+          <a:xfrm>
+            <a:off x="6529522" y="1497409"/>
+            <a:ext cx="241918" cy="433899"/>
+          </a:xfrm>
+          <a:prstGeom prst="rightBrace">
+            <a:avLst/>
+          </a:prstGeom>
+          <a:ln w="12700">
+            <a:solidFill>
+              <a:srgbClr val="FF7876"/>
+            </a:solidFill>
+          </a:ln>
+        </p:spPr>
+        <p:style>
+          <a:lnRef idx="1">
+            <a:schemeClr val="accent1"/>
+          </a:lnRef>
+          <a:fillRef idx="0">
+            <a:schemeClr val="accent1"/>
+          </a:fillRef>
+          <a:effectRef idx="0">
+            <a:schemeClr val="accent1"/>
+          </a:effectRef>
+          <a:fontRef idx="minor">
+            <a:schemeClr val="tx1"/>
+          </a:fontRef>
+        </p:style>
+        <p:txBody>
+          <a:bodyPr rtlCol="0" anchor="ctr"/>
+          <a:lstStyle/>
+          <a:p>
+            <a:pPr algn="ctr"/>
+            <a:endParaRPr kumimoji="1" lang="ko-Kore-KR" altLang="en-US" dirty="0"/>
+          </a:p>
+        </p:txBody>
+      </p:sp>
+      <p:cxnSp>
+        <p:nvCxnSpPr>
+          <p:cNvPr id="12" name="직선 화살표 연결선 11">
+            <a:extLst>
+              <a:ext uri="{FF2B5EF4-FFF2-40B4-BE49-F238E27FC236}">
+                <a16:creationId xmlns:a16="http://schemas.microsoft.com/office/drawing/2014/main" id="{CACCA2EA-C441-254D-8FEC-74A1EE2C7E69}"/>
+              </a:ext>
+            </a:extLst>
+          </p:cNvPr>
+          <p:cNvCxnSpPr>
+            <a:cxnSpLocks/>
+            <a:endCxn id="14" idx="1"/>
+          </p:cNvCxnSpPr>
+          <p:nvPr/>
+        </p:nvCxnSpPr>
+        <p:spPr>
+          <a:xfrm flipV="1">
+            <a:off x="6771440" y="1668193"/>
+            <a:ext cx="1373602" cy="46165"/>
           </a:xfrm>
           <a:prstGeom prst="straightConnector1">
             <a:avLst/>
@@ -4826,6 +6019,1070 @@
           </a:fontRef>
         </p:style>
       </p:cxnSp>
+      <p:sp>
+        <p:nvSpPr>
+          <p:cNvPr id="26" name="오른쪽 중괄호[R] 25">
+            <a:extLst>
+              <a:ext uri="{FF2B5EF4-FFF2-40B4-BE49-F238E27FC236}">
+                <a16:creationId xmlns:a16="http://schemas.microsoft.com/office/drawing/2014/main" id="{5468EEAB-6C36-F342-8CD8-FD34DA6AB530}"/>
+              </a:ext>
+            </a:extLst>
+          </p:cNvPr>
+          <p:cNvSpPr/>
+          <p:nvPr/>
+        </p:nvSpPr>
+        <p:spPr>
+          <a:xfrm>
+            <a:off x="4383784" y="2216252"/>
+            <a:ext cx="241918" cy="810169"/>
+          </a:xfrm>
+          <a:prstGeom prst="rightBrace">
+            <a:avLst/>
+          </a:prstGeom>
+          <a:ln w="12700">
+            <a:solidFill>
+              <a:srgbClr val="FF7876"/>
+            </a:solidFill>
+          </a:ln>
+        </p:spPr>
+        <p:style>
+          <a:lnRef idx="1">
+            <a:schemeClr val="accent1"/>
+          </a:lnRef>
+          <a:fillRef idx="0">
+            <a:schemeClr val="accent1"/>
+          </a:fillRef>
+          <a:effectRef idx="0">
+            <a:schemeClr val="accent1"/>
+          </a:effectRef>
+          <a:fontRef idx="minor">
+            <a:schemeClr val="tx1"/>
+          </a:fontRef>
+        </p:style>
+        <p:txBody>
+          <a:bodyPr rtlCol="0" anchor="ctr"/>
+          <a:lstStyle/>
+          <a:p>
+            <a:pPr algn="ctr"/>
+            <a:endParaRPr kumimoji="1" lang="ko-Kore-KR" altLang="en-US" dirty="0"/>
+          </a:p>
+        </p:txBody>
+      </p:sp>
+      <p:cxnSp>
+        <p:nvCxnSpPr>
+          <p:cNvPr id="27" name="직선 화살표 연결선 26">
+            <a:extLst>
+              <a:ext uri="{FF2B5EF4-FFF2-40B4-BE49-F238E27FC236}">
+                <a16:creationId xmlns:a16="http://schemas.microsoft.com/office/drawing/2014/main" id="{DE6B7BCA-9434-9F4D-9405-7966D61A4350}"/>
+              </a:ext>
+            </a:extLst>
+          </p:cNvPr>
+          <p:cNvCxnSpPr>
+            <a:cxnSpLocks/>
+          </p:cNvCxnSpPr>
+          <p:nvPr/>
+        </p:nvCxnSpPr>
+        <p:spPr>
+          <a:xfrm flipV="1">
+            <a:off x="4504743" y="2621336"/>
+            <a:ext cx="2266697" cy="2585"/>
+          </a:xfrm>
+          <a:prstGeom prst="straightConnector1">
+            <a:avLst/>
+          </a:prstGeom>
+          <a:ln w="12700">
+            <a:solidFill>
+              <a:srgbClr val="FF7876"/>
+            </a:solidFill>
+            <a:tailEnd type="triangle"/>
+          </a:ln>
+        </p:spPr>
+        <p:style>
+          <a:lnRef idx="1">
+            <a:schemeClr val="accent1"/>
+          </a:lnRef>
+          <a:fillRef idx="0">
+            <a:schemeClr val="accent1"/>
+          </a:fillRef>
+          <a:effectRef idx="0">
+            <a:schemeClr val="accent1"/>
+          </a:effectRef>
+          <a:fontRef idx="minor">
+            <a:schemeClr val="tx1"/>
+          </a:fontRef>
+        </p:style>
+      </p:cxnSp>
+      <p:sp>
+        <p:nvSpPr>
+          <p:cNvPr id="31" name="TextBox 30">
+            <a:extLst>
+              <a:ext uri="{FF2B5EF4-FFF2-40B4-BE49-F238E27FC236}">
+                <a16:creationId xmlns:a16="http://schemas.microsoft.com/office/drawing/2014/main" id="{26011E1B-B1D4-684B-B831-496B2B1B8492}"/>
+              </a:ext>
+            </a:extLst>
+          </p:cNvPr>
+          <p:cNvSpPr txBox="1"/>
+          <p:nvPr/>
+        </p:nvSpPr>
+        <p:spPr>
+          <a:xfrm>
+            <a:off x="6771439" y="2216252"/>
+            <a:ext cx="4216007" cy="938719"/>
+          </a:xfrm>
+          <a:prstGeom prst="rect">
+            <a:avLst/>
+          </a:prstGeom>
+          <a:noFill/>
+          <a:ln w="12700">
+            <a:solidFill>
+              <a:srgbClr val="FF7876"/>
+            </a:solidFill>
+          </a:ln>
+        </p:spPr>
+        <p:txBody>
+          <a:bodyPr wrap="square" rtlCol="0">
+            <a:spAutoFit/>
+          </a:bodyPr>
+          <a:lstStyle/>
+          <a:p>
+            <a:pPr algn="ctr"/>
+            <a:r>
+              <a:rPr lang="ko-KR" altLang="en-US" sz="1100" dirty="0" err="1"/>
+              <a:t>탄생화</a:t>
+            </a:r>
+            <a:r>
+              <a:rPr lang="ko-KR" altLang="en-US" sz="1100" dirty="0"/>
+              <a:t> 정보는 테이블 형식으로 제공되지 않고</a:t>
+            </a:r>
+            <a:endParaRPr lang="en-US" altLang="ko-KR" sz="1100" dirty="0"/>
+          </a:p>
+          <a:p>
+            <a:pPr algn="ctr"/>
+            <a:r>
+              <a:rPr lang="ko-KR" altLang="en-US" sz="1100" dirty="0"/>
+              <a:t>오직 텍스트 형식으로만 제공되기에</a:t>
+            </a:r>
+            <a:endParaRPr lang="en-US" altLang="ko-KR" sz="1100" dirty="0"/>
+          </a:p>
+          <a:p>
+            <a:pPr algn="ctr"/>
+            <a:r>
+              <a:rPr lang="ko-KR" altLang="en-US" sz="1100" dirty="0"/>
+              <a:t>해당 </a:t>
+            </a:r>
+            <a:r>
+              <a:rPr lang="en-US" altLang="ko-KR" sz="1100" dirty="0"/>
+              <a:t>p </a:t>
+            </a:r>
+            <a:r>
+              <a:rPr lang="ko-KR" altLang="en-US" sz="1100" dirty="0"/>
+              <a:t>태그를 검색하여 추출하였습니다</a:t>
+            </a:r>
+            <a:r>
+              <a:rPr lang="en-US" altLang="ko-KR" sz="1100" dirty="0"/>
+              <a:t>.</a:t>
+            </a:r>
+          </a:p>
+          <a:p>
+            <a:pPr algn="ctr"/>
+            <a:r>
+              <a:rPr lang="ko-KR" altLang="en-US" sz="1100" dirty="0"/>
+              <a:t>이후 </a:t>
+            </a:r>
+            <a:r>
+              <a:rPr lang="ko-KR" altLang="en-US" sz="1100" dirty="0" err="1"/>
+              <a:t>탄생화의</a:t>
+            </a:r>
+            <a:r>
+              <a:rPr lang="ko-KR" altLang="en-US" sz="1100" dirty="0"/>
+              <a:t> 날짜</a:t>
+            </a:r>
+            <a:r>
+              <a:rPr lang="en-US" altLang="ko-KR" sz="1100" dirty="0"/>
+              <a:t>, </a:t>
+            </a:r>
+            <a:r>
+              <a:rPr lang="ko-KR" altLang="en-US" sz="1100" dirty="0"/>
+              <a:t>이름</a:t>
+            </a:r>
+            <a:r>
+              <a:rPr lang="en-US" altLang="ko-KR" sz="1100" dirty="0"/>
+              <a:t>, </a:t>
+            </a:r>
+            <a:r>
+              <a:rPr lang="ko-KR" altLang="en-US" sz="1100" dirty="0"/>
+              <a:t>의미의 정보를 담을 리스트변수를</a:t>
+            </a:r>
+            <a:endParaRPr lang="en-US" altLang="ko-KR" sz="1100" dirty="0"/>
+          </a:p>
+          <a:p>
+            <a:pPr algn="ctr"/>
+            <a:r>
+              <a:rPr lang="ko-KR" altLang="en-US" sz="1100" dirty="0"/>
+              <a:t>생성하였습니다</a:t>
+            </a:r>
+            <a:r>
+              <a:rPr lang="en-US" altLang="ko-KR" sz="1100" dirty="0"/>
+              <a:t>.</a:t>
+            </a:r>
+          </a:p>
+        </p:txBody>
+      </p:sp>
+      <p:sp>
+        <p:nvSpPr>
+          <p:cNvPr id="32" name="오른쪽 중괄호[R] 31">
+            <a:extLst>
+              <a:ext uri="{FF2B5EF4-FFF2-40B4-BE49-F238E27FC236}">
+                <a16:creationId xmlns:a16="http://schemas.microsoft.com/office/drawing/2014/main" id="{283BF37D-A2B9-D149-AADC-00C25967958E}"/>
+              </a:ext>
+            </a:extLst>
+          </p:cNvPr>
+          <p:cNvSpPr/>
+          <p:nvPr/>
+        </p:nvSpPr>
+        <p:spPr>
+          <a:xfrm>
+            <a:off x="3697172" y="3331604"/>
+            <a:ext cx="241918" cy="1426513"/>
+          </a:xfrm>
+          <a:prstGeom prst="rightBrace">
+            <a:avLst/>
+          </a:prstGeom>
+          <a:ln w="12700">
+            <a:solidFill>
+              <a:srgbClr val="FF7876"/>
+            </a:solidFill>
+          </a:ln>
+        </p:spPr>
+        <p:style>
+          <a:lnRef idx="1">
+            <a:schemeClr val="accent1"/>
+          </a:lnRef>
+          <a:fillRef idx="0">
+            <a:schemeClr val="accent1"/>
+          </a:fillRef>
+          <a:effectRef idx="0">
+            <a:schemeClr val="accent1"/>
+          </a:effectRef>
+          <a:fontRef idx="minor">
+            <a:schemeClr val="tx1"/>
+          </a:fontRef>
+        </p:style>
+        <p:txBody>
+          <a:bodyPr rtlCol="0" anchor="ctr"/>
+          <a:lstStyle/>
+          <a:p>
+            <a:pPr algn="ctr"/>
+            <a:endParaRPr kumimoji="1" lang="ko-Kore-KR" altLang="en-US" dirty="0"/>
+          </a:p>
+        </p:txBody>
+      </p:sp>
+      <p:cxnSp>
+        <p:nvCxnSpPr>
+          <p:cNvPr id="34" name="직선 화살표 연결선 33">
+            <a:extLst>
+              <a:ext uri="{FF2B5EF4-FFF2-40B4-BE49-F238E27FC236}">
+                <a16:creationId xmlns:a16="http://schemas.microsoft.com/office/drawing/2014/main" id="{C7CEAF73-525C-594F-9D95-20462D7EBBA9}"/>
+              </a:ext>
+            </a:extLst>
+          </p:cNvPr>
+          <p:cNvCxnSpPr>
+            <a:cxnSpLocks/>
+          </p:cNvCxnSpPr>
+          <p:nvPr/>
+        </p:nvCxnSpPr>
+        <p:spPr>
+          <a:xfrm flipV="1">
+            <a:off x="3935452" y="4047445"/>
+            <a:ext cx="2835987" cy="1"/>
+          </a:xfrm>
+          <a:prstGeom prst="straightConnector1">
+            <a:avLst/>
+          </a:prstGeom>
+          <a:ln w="12700">
+            <a:solidFill>
+              <a:srgbClr val="FF7876"/>
+            </a:solidFill>
+            <a:tailEnd type="triangle"/>
+          </a:ln>
+        </p:spPr>
+        <p:style>
+          <a:lnRef idx="1">
+            <a:schemeClr val="accent1"/>
+          </a:lnRef>
+          <a:fillRef idx="0">
+            <a:schemeClr val="accent1"/>
+          </a:fillRef>
+          <a:effectRef idx="0">
+            <a:schemeClr val="accent1"/>
+          </a:effectRef>
+          <a:fontRef idx="minor">
+            <a:schemeClr val="tx1"/>
+          </a:fontRef>
+        </p:style>
+      </p:cxnSp>
+      <p:sp>
+        <p:nvSpPr>
+          <p:cNvPr id="35" name="TextBox 34">
+            <a:extLst>
+              <a:ext uri="{FF2B5EF4-FFF2-40B4-BE49-F238E27FC236}">
+                <a16:creationId xmlns:a16="http://schemas.microsoft.com/office/drawing/2014/main" id="{8801CB9B-AF0E-5C43-8E99-54B3319C1056}"/>
+              </a:ext>
+            </a:extLst>
+          </p:cNvPr>
+          <p:cNvSpPr txBox="1"/>
+          <p:nvPr/>
+        </p:nvSpPr>
+        <p:spPr>
+          <a:xfrm>
+            <a:off x="6771439" y="3493364"/>
+            <a:ext cx="4216007" cy="769441"/>
+          </a:xfrm>
+          <a:prstGeom prst="rect">
+            <a:avLst/>
+          </a:prstGeom>
+          <a:noFill/>
+          <a:ln w="12700">
+            <a:solidFill>
+              <a:srgbClr val="FF7876"/>
+            </a:solidFill>
+          </a:ln>
+        </p:spPr>
+        <p:txBody>
+          <a:bodyPr wrap="square" rtlCol="0">
+            <a:spAutoFit/>
+          </a:bodyPr>
+          <a:lstStyle/>
+          <a:p>
+            <a:pPr algn="ctr"/>
+            <a:r>
+              <a:rPr lang="ko-KR" altLang="en-US" sz="1100" dirty="0"/>
+              <a:t>웹 페이지에서 </a:t>
+            </a:r>
+            <a:r>
+              <a:rPr lang="ko-KR" altLang="en-US" sz="1100" dirty="0" err="1"/>
+              <a:t>표현시킨</a:t>
+            </a:r>
+            <a:endParaRPr lang="en-US" altLang="ko-KR" sz="1100" dirty="0"/>
+          </a:p>
+          <a:p>
+            <a:pPr algn="ctr"/>
+            <a:r>
+              <a:rPr lang="ko-KR" altLang="en-US" sz="1100" dirty="0" err="1"/>
+              <a:t>탄생화</a:t>
+            </a:r>
+            <a:r>
+              <a:rPr lang="ko-KR" altLang="en-US" sz="1100" dirty="0"/>
+              <a:t> 정보들을 각 리스트에 저장하기 위해</a:t>
+            </a:r>
+            <a:endParaRPr lang="en-US" altLang="ko-KR" sz="1100" dirty="0"/>
+          </a:p>
+          <a:p>
+            <a:pPr algn="ctr"/>
+            <a:r>
+              <a:rPr lang="ko-KR" altLang="en-US" sz="1100" dirty="0"/>
+              <a:t>데이터를 방식에 맞게 추출하였습니다</a:t>
+            </a:r>
+            <a:r>
+              <a:rPr lang="en-US" altLang="ko-KR" sz="1100" dirty="0"/>
+              <a:t>.</a:t>
+            </a:r>
+          </a:p>
+          <a:p>
+            <a:pPr algn="ctr"/>
+            <a:r>
+              <a:rPr lang="ko-KR" altLang="en-US" sz="1100" dirty="0"/>
+              <a:t>각 날짜</a:t>
+            </a:r>
+            <a:r>
+              <a:rPr lang="en-US" altLang="ko-KR" sz="1100" dirty="0"/>
+              <a:t>, </a:t>
+            </a:r>
+            <a:r>
+              <a:rPr lang="ko-KR" altLang="en-US" sz="1100" dirty="0"/>
+              <a:t>이름</a:t>
+            </a:r>
+            <a:r>
+              <a:rPr lang="en-US" altLang="ko-KR" sz="1100" dirty="0"/>
+              <a:t>, </a:t>
+            </a:r>
+            <a:r>
+              <a:rPr lang="ko-KR" altLang="en-US" sz="1100" dirty="0"/>
+              <a:t>의미에 대한 데이터들 입니다</a:t>
+            </a:r>
+            <a:r>
+              <a:rPr lang="en-US" altLang="ko-KR" sz="1100" dirty="0"/>
+              <a:t>.</a:t>
+            </a:r>
+          </a:p>
+        </p:txBody>
+      </p:sp>
+      <p:sp>
+        <p:nvSpPr>
+          <p:cNvPr id="36" name="오른쪽 중괄호[R] 35">
+            <a:extLst>
+              <a:ext uri="{FF2B5EF4-FFF2-40B4-BE49-F238E27FC236}">
+                <a16:creationId xmlns:a16="http://schemas.microsoft.com/office/drawing/2014/main" id="{AAE0CD6B-5B56-E84C-9664-1288E003851F}"/>
+              </a:ext>
+            </a:extLst>
+          </p:cNvPr>
+          <p:cNvSpPr/>
+          <p:nvPr/>
+        </p:nvSpPr>
+        <p:spPr>
+          <a:xfrm>
+            <a:off x="6054054" y="5049545"/>
+            <a:ext cx="241918" cy="1426513"/>
+          </a:xfrm>
+          <a:prstGeom prst="rightBrace">
+            <a:avLst/>
+          </a:prstGeom>
+          <a:ln w="12700">
+            <a:solidFill>
+              <a:srgbClr val="FF7876"/>
+            </a:solidFill>
+          </a:ln>
+        </p:spPr>
+        <p:style>
+          <a:lnRef idx="1">
+            <a:schemeClr val="accent1"/>
+          </a:lnRef>
+          <a:fillRef idx="0">
+            <a:schemeClr val="accent1"/>
+          </a:fillRef>
+          <a:effectRef idx="0">
+            <a:schemeClr val="accent1"/>
+          </a:effectRef>
+          <a:fontRef idx="minor">
+            <a:schemeClr val="tx1"/>
+          </a:fontRef>
+        </p:style>
+        <p:txBody>
+          <a:bodyPr rtlCol="0" anchor="ctr"/>
+          <a:lstStyle/>
+          <a:p>
+            <a:pPr algn="ctr"/>
+            <a:endParaRPr kumimoji="1" lang="ko-Kore-KR" altLang="en-US" dirty="0"/>
+          </a:p>
+        </p:txBody>
+      </p:sp>
+      <p:cxnSp>
+        <p:nvCxnSpPr>
+          <p:cNvPr id="40" name="직선 화살표 연결선 39">
+            <a:extLst>
+              <a:ext uri="{FF2B5EF4-FFF2-40B4-BE49-F238E27FC236}">
+                <a16:creationId xmlns:a16="http://schemas.microsoft.com/office/drawing/2014/main" id="{F1480BA4-369D-5649-A14A-17B6FDD555C8}"/>
+              </a:ext>
+            </a:extLst>
+          </p:cNvPr>
+          <p:cNvCxnSpPr>
+            <a:cxnSpLocks/>
+          </p:cNvCxnSpPr>
+          <p:nvPr/>
+        </p:nvCxnSpPr>
+        <p:spPr>
+          <a:xfrm flipV="1">
+            <a:off x="6287880" y="5621266"/>
+            <a:ext cx="787856" cy="141536"/>
+          </a:xfrm>
+          <a:prstGeom prst="straightConnector1">
+            <a:avLst/>
+          </a:prstGeom>
+          <a:ln w="12700">
+            <a:solidFill>
+              <a:srgbClr val="FF7876"/>
+            </a:solidFill>
+            <a:tailEnd type="triangle"/>
+          </a:ln>
+        </p:spPr>
+        <p:style>
+          <a:lnRef idx="1">
+            <a:schemeClr val="accent1"/>
+          </a:lnRef>
+          <a:fillRef idx="0">
+            <a:schemeClr val="accent1"/>
+          </a:fillRef>
+          <a:effectRef idx="0">
+            <a:schemeClr val="accent1"/>
+          </a:effectRef>
+          <a:fontRef idx="minor">
+            <a:schemeClr val="tx1"/>
+          </a:fontRef>
+        </p:style>
+      </p:cxnSp>
+      <p:sp>
+        <p:nvSpPr>
+          <p:cNvPr id="41" name="TextBox 40">
+            <a:extLst>
+              <a:ext uri="{FF2B5EF4-FFF2-40B4-BE49-F238E27FC236}">
+                <a16:creationId xmlns:a16="http://schemas.microsoft.com/office/drawing/2014/main" id="{533FB8C7-79A2-7141-AAC2-9FE84993A023}"/>
+              </a:ext>
+            </a:extLst>
+          </p:cNvPr>
+          <p:cNvSpPr txBox="1"/>
+          <p:nvPr/>
+        </p:nvSpPr>
+        <p:spPr>
+          <a:xfrm>
+            <a:off x="7142324" y="5132546"/>
+            <a:ext cx="4216007" cy="1107996"/>
+          </a:xfrm>
+          <a:prstGeom prst="rect">
+            <a:avLst/>
+          </a:prstGeom>
+          <a:noFill/>
+          <a:ln w="12700">
+            <a:solidFill>
+              <a:srgbClr val="FF7876"/>
+            </a:solidFill>
+          </a:ln>
+        </p:spPr>
+        <p:txBody>
+          <a:bodyPr wrap="square" rtlCol="0">
+            <a:spAutoFit/>
+          </a:bodyPr>
+          <a:lstStyle/>
+          <a:p>
+            <a:pPr algn="ctr"/>
+            <a:r>
+              <a:rPr lang="ko-KR" altLang="en-US" sz="1100" dirty="0"/>
+              <a:t>이제 추출한 데이터들을 </a:t>
+            </a:r>
+            <a:r>
+              <a:rPr lang="en-US" altLang="ko-KR" sz="1100" dirty="0"/>
+              <a:t>DB</a:t>
+            </a:r>
+            <a:r>
+              <a:rPr lang="ko-KR" altLang="en-US" sz="1100" dirty="0"/>
+              <a:t>에 삽입시키도록 합니다</a:t>
+            </a:r>
+            <a:r>
+              <a:rPr lang="en-US" altLang="ko-KR" sz="1100" dirty="0"/>
+              <a:t>.</a:t>
+            </a:r>
+          </a:p>
+          <a:p>
+            <a:pPr algn="ctr"/>
+            <a:r>
+              <a:rPr lang="ko-KR" altLang="en-US" sz="1100" dirty="0"/>
+              <a:t>역시 </a:t>
+            </a:r>
+            <a:r>
+              <a:rPr lang="en-US" altLang="ko-KR" sz="1100" dirty="0"/>
+              <a:t>while</a:t>
+            </a:r>
+            <a:r>
+              <a:rPr lang="ko-KR" altLang="en-US" sz="1100" dirty="0"/>
+              <a:t>문을 통해 각 데이터들이</a:t>
+            </a:r>
+            <a:endParaRPr lang="en-US" altLang="ko-KR" sz="1100" dirty="0"/>
+          </a:p>
+          <a:p>
+            <a:pPr algn="ctr"/>
+            <a:r>
+              <a:rPr lang="ko-KR" altLang="en-US" sz="1100" dirty="0"/>
+              <a:t>형식에 맞게 잘 들어가도록 지정하였습니다</a:t>
+            </a:r>
+            <a:r>
+              <a:rPr lang="en-US" altLang="ko-KR" sz="1100" dirty="0"/>
+              <a:t>.</a:t>
+            </a:r>
+          </a:p>
+          <a:p>
+            <a:pPr algn="ctr"/>
+            <a:endParaRPr lang="en-US" altLang="ko-KR" sz="1100" dirty="0"/>
+          </a:p>
+          <a:p>
+            <a:pPr algn="ctr"/>
+            <a:r>
+              <a:rPr lang="ko-KR" altLang="en-US" sz="1100" dirty="0"/>
+              <a:t>마지막에 </a:t>
+            </a:r>
+            <a:r>
+              <a:rPr lang="ko-KR" altLang="en-US" sz="1100" dirty="0" err="1"/>
+              <a:t>커밋을</a:t>
+            </a:r>
+            <a:r>
+              <a:rPr lang="ko-KR" altLang="en-US" sz="1100" dirty="0"/>
+              <a:t> 통해 삽입시킨 데이터들을 </a:t>
+            </a:r>
+            <a:r>
+              <a:rPr lang="ko-KR" altLang="en-US" sz="1100" dirty="0" err="1"/>
+              <a:t>저장시키도록하고</a:t>
+            </a:r>
+            <a:endParaRPr lang="en-US" altLang="ko-KR" sz="1100" dirty="0"/>
+          </a:p>
+          <a:p>
+            <a:pPr algn="ctr"/>
+            <a:r>
+              <a:rPr lang="en-US" altLang="ko-KR" sz="1100" dirty="0"/>
+              <a:t>close</a:t>
+            </a:r>
+            <a:r>
+              <a:rPr lang="ko-KR" altLang="en-US" sz="1100" dirty="0" err="1"/>
+              <a:t>를</a:t>
+            </a:r>
+            <a:r>
+              <a:rPr lang="ko-KR" altLang="en-US" sz="1100" dirty="0"/>
+              <a:t> 통해 </a:t>
+            </a:r>
+            <a:r>
+              <a:rPr lang="ko-KR" altLang="en-US" sz="1100" dirty="0" err="1"/>
+              <a:t>연결종료</a:t>
+            </a:r>
+            <a:r>
+              <a:rPr lang="ko-KR" altLang="en-US" sz="1100" dirty="0"/>
+              <a:t> 시켰습니다</a:t>
+            </a:r>
+            <a:r>
+              <a:rPr lang="en-US" altLang="ko-KR" sz="1100" dirty="0"/>
+              <a:t>.</a:t>
+            </a:r>
+          </a:p>
+        </p:txBody>
+      </p:sp>
+    </p:spTree>
+    <p:extLst>
+      <p:ext uri="{BB962C8B-B14F-4D97-AF65-F5344CB8AC3E}">
+        <p14:creationId xmlns:p14="http://schemas.microsoft.com/office/powerpoint/2010/main" val="322854199"/>
+      </p:ext>
+    </p:extLst>
+  </p:cSld>
+  <p:clrMapOvr>
+    <a:masterClrMapping/>
+  </p:clrMapOvr>
+</p:sld>
+</file>
+
+<file path=ppt/slides/slide13.xml><?xml version="1.0" encoding="utf-8"?>
+<p:sld xmlns:a="http://schemas.openxmlformats.org/drawingml/2006/main" xmlns:r="http://schemas.openxmlformats.org/officeDocument/2006/relationships" xmlns:p="http://schemas.openxmlformats.org/presentationml/2006/main">
+  <p:cSld>
+    <p:spTree>
+      <p:nvGrpSpPr>
+        <p:cNvPr id="1" name=""/>
+        <p:cNvGrpSpPr/>
+        <p:nvPr/>
+      </p:nvGrpSpPr>
+      <p:grpSpPr>
+        <a:xfrm>
+          <a:off x="0" y="0"/>
+          <a:ext cx="0" cy="0"/>
+          <a:chOff x="0" y="0"/>
+          <a:chExt cx="0" cy="0"/>
+        </a:xfrm>
+      </p:grpSpPr>
+      <p:sp>
+        <p:nvSpPr>
+          <p:cNvPr id="37" name="직사각형 36">
+            <a:extLst>
+              <a:ext uri="{FF2B5EF4-FFF2-40B4-BE49-F238E27FC236}">
+                <a16:creationId xmlns:a16="http://schemas.microsoft.com/office/drawing/2014/main" id="{3F15C60C-17FE-422D-AFCF-73C75A021362}"/>
+              </a:ext>
+            </a:extLst>
+          </p:cNvPr>
+          <p:cNvSpPr/>
+          <p:nvPr/>
+        </p:nvSpPr>
+        <p:spPr>
+          <a:xfrm>
+            <a:off x="3697172" y="332194"/>
+            <a:ext cx="4713765" cy="735842"/>
+          </a:xfrm>
+          <a:prstGeom prst="rect">
+            <a:avLst/>
+          </a:prstGeom>
+        </p:spPr>
+        <p:txBody>
+          <a:bodyPr wrap="square">
+            <a:spAutoFit/>
+          </a:bodyPr>
+          <a:lstStyle/>
+          <a:p>
+            <a:pPr algn="ctr" latinLnBrk="0">
+              <a:lnSpc>
+                <a:spcPct val="150000"/>
+              </a:lnSpc>
+              <a:defRPr/>
+            </a:pPr>
+            <a:r>
+              <a:rPr lang="en-US" altLang="ko-KR" sz="3200" b="1" i="1" kern="0" dirty="0">
+                <a:solidFill>
+                  <a:srgbClr val="FF7876"/>
+                </a:solidFill>
+              </a:rPr>
+              <a:t>3</a:t>
+            </a:r>
+          </a:p>
+        </p:txBody>
+      </p:sp>
+      <p:cxnSp>
+        <p:nvCxnSpPr>
+          <p:cNvPr id="38" name="직선 연결선 37">
+            <a:extLst>
+              <a:ext uri="{FF2B5EF4-FFF2-40B4-BE49-F238E27FC236}">
+                <a16:creationId xmlns:a16="http://schemas.microsoft.com/office/drawing/2014/main" id="{940134F4-F272-426A-B50B-8075427DF501}"/>
+              </a:ext>
+            </a:extLst>
+          </p:cNvPr>
+          <p:cNvCxnSpPr>
+            <a:cxnSpLocks/>
+          </p:cNvCxnSpPr>
+          <p:nvPr/>
+        </p:nvCxnSpPr>
+        <p:spPr>
+          <a:xfrm flipV="1">
+            <a:off x="843148" y="847712"/>
+            <a:ext cx="4769087" cy="1"/>
+          </a:xfrm>
+          <a:prstGeom prst="line">
+            <a:avLst/>
+          </a:prstGeom>
+          <a:ln w="6350">
+            <a:solidFill>
+              <a:srgbClr val="FF7876"/>
+            </a:solidFill>
+            <a:prstDash val="sysDash"/>
+            <a:tailEnd type="oval"/>
+          </a:ln>
+        </p:spPr>
+        <p:style>
+          <a:lnRef idx="1">
+            <a:schemeClr val="accent1"/>
+          </a:lnRef>
+          <a:fillRef idx="0">
+            <a:schemeClr val="accent1"/>
+          </a:fillRef>
+          <a:effectRef idx="0">
+            <a:schemeClr val="accent1"/>
+          </a:effectRef>
+          <a:fontRef idx="minor">
+            <a:schemeClr val="tx1"/>
+          </a:fontRef>
+        </p:style>
+      </p:cxnSp>
+      <p:cxnSp>
+        <p:nvCxnSpPr>
+          <p:cNvPr id="39" name="직선 연결선 38">
+            <a:extLst>
+              <a:ext uri="{FF2B5EF4-FFF2-40B4-BE49-F238E27FC236}">
+                <a16:creationId xmlns:a16="http://schemas.microsoft.com/office/drawing/2014/main" id="{55EBD739-0979-4546-8E6B-9CA8052FC540}"/>
+              </a:ext>
+            </a:extLst>
+          </p:cNvPr>
+          <p:cNvCxnSpPr>
+            <a:cxnSpLocks/>
+          </p:cNvCxnSpPr>
+          <p:nvPr/>
+        </p:nvCxnSpPr>
+        <p:spPr>
+          <a:xfrm flipH="1">
+            <a:off x="6579767" y="847712"/>
+            <a:ext cx="4692810" cy="0"/>
+          </a:xfrm>
+          <a:prstGeom prst="line">
+            <a:avLst/>
+          </a:prstGeom>
+          <a:ln w="6350">
+            <a:solidFill>
+              <a:srgbClr val="FF7876"/>
+            </a:solidFill>
+            <a:prstDash val="sysDash"/>
+            <a:tailEnd type="oval"/>
+          </a:ln>
+        </p:spPr>
+        <p:style>
+          <a:lnRef idx="1">
+            <a:schemeClr val="accent1"/>
+          </a:lnRef>
+          <a:fillRef idx="0">
+            <a:schemeClr val="accent1"/>
+          </a:fillRef>
+          <a:effectRef idx="0">
+            <a:schemeClr val="accent1"/>
+          </a:effectRef>
+          <a:fontRef idx="minor">
+            <a:schemeClr val="tx1"/>
+          </a:fontRef>
+        </p:style>
+      </p:cxnSp>
+      <p:sp>
+        <p:nvSpPr>
+          <p:cNvPr id="8" name="TextBox 7">
+            <a:extLst>
+              <a:ext uri="{FF2B5EF4-FFF2-40B4-BE49-F238E27FC236}">
+                <a16:creationId xmlns:a16="http://schemas.microsoft.com/office/drawing/2014/main" id="{C18154B9-4F65-4277-8C17-63D9702FC25F}"/>
+              </a:ext>
+            </a:extLst>
+          </p:cNvPr>
+          <p:cNvSpPr txBox="1"/>
+          <p:nvPr/>
+        </p:nvSpPr>
+        <p:spPr>
+          <a:xfrm>
+            <a:off x="765146" y="963122"/>
+            <a:ext cx="10507430" cy="261610"/>
+          </a:xfrm>
+          <a:prstGeom prst="rect">
+            <a:avLst/>
+          </a:prstGeom>
+          <a:noFill/>
+        </p:spPr>
+        <p:txBody>
+          <a:bodyPr wrap="square" rtlCol="0">
+            <a:spAutoFit/>
+          </a:bodyPr>
+          <a:lstStyle/>
+          <a:p>
+            <a:pPr algn="ctr"/>
+            <a:r>
+              <a:rPr lang="ko-Kore-KR" altLang="en-US" sz="1100" i="1" dirty="0">
+                <a:solidFill>
+                  <a:srgbClr val="FF7876"/>
+                </a:solidFill>
+              </a:rPr>
+              <a:t>임의 프로그램 </a:t>
+            </a:r>
+            <a:r>
+              <a:rPr lang="en-US" altLang="ko-Kore-KR" sz="1100" i="1" dirty="0">
+                <a:solidFill>
+                  <a:srgbClr val="FF7876"/>
+                </a:solidFill>
+              </a:rPr>
+              <a:t>– </a:t>
+            </a:r>
+            <a:r>
+              <a:rPr lang="ko-Kore-KR" altLang="en-US" sz="1100" i="1" dirty="0">
+                <a:solidFill>
+                  <a:srgbClr val="FF7876"/>
+                </a:solidFill>
+              </a:rPr>
+              <a:t>최종결과</a:t>
+            </a:r>
+            <a:endParaRPr lang="en-US" altLang="ko-KR" sz="1100" i="1" dirty="0">
+              <a:solidFill>
+                <a:srgbClr val="FF7876"/>
+              </a:solidFill>
+            </a:endParaRPr>
+          </a:p>
+        </p:txBody>
+      </p:sp>
+      <p:sp>
+        <p:nvSpPr>
+          <p:cNvPr id="44" name="TextBox 43">
+            <a:extLst>
+              <a:ext uri="{FF2B5EF4-FFF2-40B4-BE49-F238E27FC236}">
+                <a16:creationId xmlns:a16="http://schemas.microsoft.com/office/drawing/2014/main" id="{FFAFEF72-DA94-0C4C-A7C0-3C5BFDFFBAAF}"/>
+              </a:ext>
+            </a:extLst>
+          </p:cNvPr>
+          <p:cNvSpPr txBox="1"/>
+          <p:nvPr/>
+        </p:nvSpPr>
+        <p:spPr>
+          <a:xfrm>
+            <a:off x="3297364" y="5635639"/>
+            <a:ext cx="5513379" cy="938719"/>
+          </a:xfrm>
+          <a:prstGeom prst="rect">
+            <a:avLst/>
+          </a:prstGeom>
+          <a:noFill/>
+          <a:ln w="12700">
+            <a:solidFill>
+              <a:srgbClr val="FF7876"/>
+            </a:solidFill>
+          </a:ln>
+        </p:spPr>
+        <p:txBody>
+          <a:bodyPr wrap="square" rtlCol="0">
+            <a:spAutoFit/>
+          </a:bodyPr>
+          <a:lstStyle/>
+          <a:p>
+            <a:pPr algn="ctr"/>
+            <a:r>
+              <a:rPr lang="ko-Kore-KR" altLang="en-US" sz="1100" dirty="0"/>
+              <a:t>저장시킨 데이터베이스입니다</a:t>
+            </a:r>
+            <a:r>
+              <a:rPr lang="en-US" altLang="ko-Kore-KR" sz="1100" dirty="0"/>
+              <a:t>.</a:t>
+            </a:r>
+          </a:p>
+          <a:p>
+            <a:pPr algn="ctr"/>
+            <a:r>
+              <a:rPr lang="en-US" altLang="ko-Kore-KR" sz="1100" dirty="0"/>
+              <a:t>DB </a:t>
+            </a:r>
+            <a:r>
+              <a:rPr lang="ko-Kore-KR" altLang="en-US" sz="1100" dirty="0"/>
+              <a:t>파일 이름은 </a:t>
+            </a:r>
+            <a:r>
+              <a:rPr lang="en-US" altLang="ko-Kore-KR" sz="1100" dirty="0" err="1"/>
+              <a:t>AllOfMyth.db</a:t>
+            </a:r>
+            <a:r>
+              <a:rPr lang="ko-Kore-KR" altLang="en-US" sz="1100" dirty="0"/>
+              <a:t>이며</a:t>
+            </a:r>
+            <a:endParaRPr lang="en-US" altLang="ko-Kore-KR" sz="1100" dirty="0"/>
+          </a:p>
+          <a:p>
+            <a:pPr algn="ctr"/>
+            <a:r>
+              <a:rPr lang="ko-Kore-KR" altLang="en-US" sz="1100" dirty="0"/>
+              <a:t>테이블로 탄생화와 탄생석을 저장할 </a:t>
+            </a:r>
+            <a:r>
+              <a:rPr lang="en-US" altLang="ko-Kore-KR" sz="1100" dirty="0"/>
+              <a:t>flower</a:t>
+            </a:r>
+            <a:r>
+              <a:rPr lang="ko-Kore-KR" altLang="en-US" sz="1100" dirty="0"/>
+              <a:t>테이블과 </a:t>
+            </a:r>
+            <a:r>
+              <a:rPr lang="en-US" altLang="ko-Kore-KR" sz="1100" dirty="0"/>
+              <a:t>stone</a:t>
+            </a:r>
+            <a:r>
+              <a:rPr lang="ko-Kore-KR" altLang="en-US" sz="1100" dirty="0"/>
+              <a:t>테이블을 두었습니다</a:t>
+            </a:r>
+            <a:r>
+              <a:rPr lang="en-US" altLang="ko-Kore-KR" sz="1100" dirty="0"/>
+              <a:t>.</a:t>
+            </a:r>
+          </a:p>
+          <a:p>
+            <a:pPr algn="ctr"/>
+            <a:r>
+              <a:rPr lang="ko-Kore-KR" altLang="en-US" sz="1100" dirty="0"/>
+              <a:t>테이블 정의로 두 테이블 모두 같은형식으로</a:t>
+            </a:r>
+            <a:endParaRPr lang="en-US" altLang="ko-Kore-KR" sz="1100" dirty="0"/>
+          </a:p>
+          <a:p>
+            <a:pPr algn="ctr"/>
+            <a:r>
+              <a:rPr lang="ko-Kore-KR" altLang="en-US" sz="1100" dirty="0"/>
+              <a:t>날짜</a:t>
+            </a:r>
+            <a:r>
+              <a:rPr lang="en-US" altLang="ko-Kore-KR" sz="1100" dirty="0"/>
+              <a:t>, </a:t>
+            </a:r>
+            <a:r>
+              <a:rPr lang="ko-Kore-KR" altLang="en-US" sz="1100" dirty="0"/>
+              <a:t>이름</a:t>
+            </a:r>
+            <a:r>
+              <a:rPr lang="en-US" altLang="ko-Kore-KR" sz="1100" dirty="0"/>
+              <a:t>, </a:t>
+            </a:r>
+            <a:r>
+              <a:rPr lang="ko-Kore-KR" altLang="en-US" sz="1100" dirty="0"/>
+              <a:t>의미를 저장하도록 열을 지정하였습니다</a:t>
+            </a:r>
+            <a:r>
+              <a:rPr lang="en-US" altLang="ko-Kore-KR" sz="1100" dirty="0"/>
+              <a:t>.</a:t>
+            </a:r>
+          </a:p>
+        </p:txBody>
+      </p:sp>
+      <p:pic>
+        <p:nvPicPr>
+          <p:cNvPr id="2" name="그림 1">
+            <a:extLst>
+              <a:ext uri="{FF2B5EF4-FFF2-40B4-BE49-F238E27FC236}">
+                <a16:creationId xmlns:a16="http://schemas.microsoft.com/office/drawing/2014/main" id="{15ADFC0B-DA8D-2C47-9BD9-D2E5C8115FAD}"/>
+              </a:ext>
+            </a:extLst>
+          </p:cNvPr>
+          <p:cNvPicPr>
+            <a:picLocks noChangeAspect="1"/>
+          </p:cNvPicPr>
+          <p:nvPr/>
+        </p:nvPicPr>
+        <p:blipFill>
+          <a:blip r:embed="rId2"/>
+          <a:stretch>
+            <a:fillRect/>
+          </a:stretch>
+        </p:blipFill>
+        <p:spPr>
+          <a:xfrm>
+            <a:off x="345166" y="1224732"/>
+            <a:ext cx="5673695" cy="4478713"/>
+          </a:xfrm>
+          <a:prstGeom prst="rect">
+            <a:avLst/>
+          </a:prstGeom>
+        </p:spPr>
+      </p:pic>
+      <p:pic>
+        <p:nvPicPr>
+          <p:cNvPr id="3" name="그림 2">
+            <a:extLst>
+              <a:ext uri="{FF2B5EF4-FFF2-40B4-BE49-F238E27FC236}">
+                <a16:creationId xmlns:a16="http://schemas.microsoft.com/office/drawing/2014/main" id="{6689791E-8444-5A4B-A07A-97F26103BF08}"/>
+              </a:ext>
+            </a:extLst>
+          </p:cNvPr>
+          <p:cNvPicPr>
+            <a:picLocks noChangeAspect="1"/>
+          </p:cNvPicPr>
+          <p:nvPr/>
+        </p:nvPicPr>
+        <p:blipFill>
+          <a:blip r:embed="rId3"/>
+          <a:stretch>
+            <a:fillRect/>
+          </a:stretch>
+        </p:blipFill>
+        <p:spPr>
+          <a:xfrm>
+            <a:off x="5673695" y="1183445"/>
+            <a:ext cx="3997618" cy="3872038"/>
+          </a:xfrm>
+          <a:prstGeom prst="rect">
+            <a:avLst/>
+          </a:prstGeom>
+        </p:spPr>
+      </p:pic>
+      <p:pic>
+        <p:nvPicPr>
+          <p:cNvPr id="9" name="그림 8">
+            <a:extLst>
+              <a:ext uri="{FF2B5EF4-FFF2-40B4-BE49-F238E27FC236}">
+                <a16:creationId xmlns:a16="http://schemas.microsoft.com/office/drawing/2014/main" id="{3FF71B7A-C53A-B94C-8627-0E3A3FB9820E}"/>
+              </a:ext>
+            </a:extLst>
+          </p:cNvPr>
+          <p:cNvPicPr>
+            <a:picLocks noChangeAspect="1"/>
+          </p:cNvPicPr>
+          <p:nvPr/>
+        </p:nvPicPr>
+        <p:blipFill>
+          <a:blip r:embed="rId4"/>
+          <a:stretch>
+            <a:fillRect/>
+          </a:stretch>
+        </p:blipFill>
+        <p:spPr>
+          <a:xfrm>
+            <a:off x="7177636" y="1561915"/>
+            <a:ext cx="4473492" cy="4332963"/>
+          </a:xfrm>
+          <a:prstGeom prst="rect">
+            <a:avLst/>
+          </a:prstGeom>
+        </p:spPr>
+      </p:pic>
     </p:spTree>
     <p:extLst>
       <p:ext uri="{BB962C8B-B14F-4D97-AF65-F5344CB8AC3E}">
@@ -4839,7 +7096,7 @@
 </p:sld>
 </file>
 
-<file path=ppt/slides/slide12.xml><?xml version="1.0" encoding="utf-8"?>
+<file path=ppt/slides/slide14.xml><?xml version="1.0" encoding="utf-8"?>
 <p:sld xmlns:a="http://schemas.openxmlformats.org/drawingml/2006/main" xmlns:r="http://schemas.openxmlformats.org/officeDocument/2006/relationships" xmlns:p="http://schemas.openxmlformats.org/presentationml/2006/main">
   <p:cSld>
     <p:spTree>
@@ -9235,14 +11492,10 @@
             <a:pPr algn="ctr"/>
             <a:r>
               <a:rPr lang="ko-KR" altLang="en-US" sz="1100" dirty="0"/>
-              <a:t>정상적으로 처리된 것을 볼 </a:t>
-            </a:r>
-            <a:r>
-              <a:rPr lang="ko-KR" altLang="en-US" sz="1100"/>
-              <a:t>수 있습니다</a:t>
-            </a:r>
-            <a:r>
-              <a:rPr lang="en-US" altLang="ko-KR" sz="1100"/>
+              <a:t>정상적으로 처리된 것을 볼 수 있습니다</a:t>
+            </a:r>
+            <a:r>
+              <a:rPr lang="en-US" altLang="ko-KR" sz="1100" dirty="0"/>
               <a:t>.</a:t>
             </a:r>
           </a:p>

--- a/5장/20164091-송희령-5주차 과제.pptx
+++ b/5장/20164091-송희령-5주차 과제.pptx
@@ -18,7 +18,10 @@
     <p:sldId id="329" r:id="rId12"/>
     <p:sldId id="330" r:id="rId13"/>
     <p:sldId id="320" r:id="rId14"/>
-    <p:sldId id="258" r:id="rId15"/>
+    <p:sldId id="331" r:id="rId15"/>
+    <p:sldId id="332" r:id="rId16"/>
+    <p:sldId id="333" r:id="rId17"/>
+    <p:sldId id="258" r:id="rId18"/>
   </p:sldIdLst>
   <p:sldSz cx="12192000" cy="6858000"/>
   <p:notesSz cx="6858000" cy="9144000"/>
@@ -279,7 +282,7 @@
                 </a:solidFill>
               </a:rPr>
               <a:pPr/>
-              <a:t>2021. 10. 5.</a:t>
+              <a:t>2021. 10. 7.</a:t>
             </a:fld>
             <a:endParaRPr lang="ko-KR" altLang="en-US">
               <a:solidFill>
@@ -509,7 +512,7 @@
                 </a:solidFill>
               </a:rPr>
               <a:pPr/>
-              <a:t>2021. 10. 5.</a:t>
+              <a:t>2021. 10. 7.</a:t>
             </a:fld>
             <a:endParaRPr lang="ko-KR" altLang="en-US">
               <a:solidFill>
@@ -749,7 +752,7 @@
                 </a:solidFill>
               </a:rPr>
               <a:pPr/>
-              <a:t>2021. 10. 5.</a:t>
+              <a:t>2021. 10. 7.</a:t>
             </a:fld>
             <a:endParaRPr lang="ko-KR" altLang="en-US">
               <a:solidFill>
@@ -979,7 +982,7 @@
                 </a:solidFill>
               </a:rPr>
               <a:pPr/>
-              <a:t>2021. 10. 5.</a:t>
+              <a:t>2021. 10. 7.</a:t>
             </a:fld>
             <a:endParaRPr lang="ko-KR" altLang="en-US">
               <a:solidFill>
@@ -1286,7 +1289,7 @@
                 </a:solidFill>
               </a:rPr>
               <a:pPr/>
-              <a:t>2021. 10. 5.</a:t>
+              <a:t>2021. 10. 7.</a:t>
             </a:fld>
             <a:endParaRPr lang="ko-KR" altLang="en-US">
               <a:solidFill>
@@ -1583,7 +1586,7 @@
                 </a:solidFill>
               </a:rPr>
               <a:pPr/>
-              <a:t>2021. 10. 5.</a:t>
+              <a:t>2021. 10. 7.</a:t>
             </a:fld>
             <a:endParaRPr lang="ko-KR" altLang="en-US">
               <a:solidFill>
@@ -2027,7 +2030,7 @@
                 </a:solidFill>
               </a:rPr>
               <a:pPr/>
-              <a:t>2021. 10. 5.</a:t>
+              <a:t>2021. 10. 7.</a:t>
             </a:fld>
             <a:endParaRPr lang="ko-KR" altLang="en-US">
               <a:solidFill>
@@ -2200,7 +2203,7 @@
                 </a:solidFill>
               </a:rPr>
               <a:pPr/>
-              <a:t>2021. 10. 5.</a:t>
+              <a:t>2021. 10. 7.</a:t>
             </a:fld>
             <a:endParaRPr lang="ko-KR" altLang="en-US">
               <a:solidFill>
@@ -2345,7 +2348,7 @@
                 </a:solidFill>
               </a:rPr>
               <a:pPr/>
-              <a:t>2021. 10. 5.</a:t>
+              <a:t>2021. 10. 7.</a:t>
             </a:fld>
             <a:endParaRPr lang="ko-KR" altLang="en-US">
               <a:solidFill>
@@ -2688,7 +2691,7 @@
                 </a:solidFill>
               </a:rPr>
               <a:pPr/>
-              <a:t>2021. 10. 5.</a:t>
+              <a:t>2021. 10. 7.</a:t>
             </a:fld>
             <a:endParaRPr lang="ko-KR" altLang="en-US">
               <a:solidFill>
@@ -3008,7 +3011,7 @@
                 </a:solidFill>
               </a:rPr>
               <a:pPr/>
-              <a:t>2021. 10. 5.</a:t>
+              <a:t>2021. 10. 7.</a:t>
             </a:fld>
             <a:endParaRPr lang="ko-KR" altLang="en-US">
               <a:solidFill>
@@ -3281,7 +3284,7 @@
                 </a:solidFill>
               </a:rPr>
               <a:pPr/>
-              <a:t>2021. 10. 5.</a:t>
+              <a:t>2021. 10. 7.</a:t>
             </a:fld>
             <a:endParaRPr lang="ko-KR" altLang="en-US">
               <a:solidFill>
@@ -6840,23 +6843,7 @@
                   <a:srgbClr val="FF7876"/>
                 </a:solidFill>
               </a:rPr>
-              <a:t>임의 프로그램 </a:t>
-            </a:r>
-            <a:r>
-              <a:rPr lang="en-US" altLang="ko-Kore-KR" sz="1100" i="1" dirty="0">
-                <a:solidFill>
-                  <a:srgbClr val="FF7876"/>
-                </a:solidFill>
-              </a:rPr>
-              <a:t>– </a:t>
-            </a:r>
-            <a:r>
-              <a:rPr lang="ko-Kore-KR" altLang="en-US" sz="1100" i="1" dirty="0">
-                <a:solidFill>
-                  <a:srgbClr val="FF7876"/>
-                </a:solidFill>
-              </a:rPr>
-              <a:t>최종결과</a:t>
+              <a:t>임의 프로그램</a:t>
             </a:r>
             <a:endParaRPr lang="en-US" altLang="ko-KR" sz="1100" i="1" dirty="0">
               <a:solidFill>
@@ -7097,6 +7084,1139 @@
 </file>
 
 <file path=ppt/slides/slide14.xml><?xml version="1.0" encoding="utf-8"?>
+<p:sld xmlns:a="http://schemas.openxmlformats.org/drawingml/2006/main" xmlns:r="http://schemas.openxmlformats.org/officeDocument/2006/relationships" xmlns:p="http://schemas.openxmlformats.org/presentationml/2006/main">
+  <p:cSld>
+    <p:spTree>
+      <p:nvGrpSpPr>
+        <p:cNvPr id="1" name=""/>
+        <p:cNvGrpSpPr/>
+        <p:nvPr/>
+      </p:nvGrpSpPr>
+      <p:grpSpPr>
+        <a:xfrm>
+          <a:off x="0" y="0"/>
+          <a:ext cx="0" cy="0"/>
+          <a:chOff x="0" y="0"/>
+          <a:chExt cx="0" cy="0"/>
+        </a:xfrm>
+      </p:grpSpPr>
+      <p:sp>
+        <p:nvSpPr>
+          <p:cNvPr id="37" name="직사각형 36">
+            <a:extLst>
+              <a:ext uri="{FF2B5EF4-FFF2-40B4-BE49-F238E27FC236}">
+                <a16:creationId xmlns:a16="http://schemas.microsoft.com/office/drawing/2014/main" id="{3F15C60C-17FE-422D-AFCF-73C75A021362}"/>
+              </a:ext>
+            </a:extLst>
+          </p:cNvPr>
+          <p:cNvSpPr/>
+          <p:nvPr/>
+        </p:nvSpPr>
+        <p:spPr>
+          <a:xfrm>
+            <a:off x="3697172" y="332194"/>
+            <a:ext cx="4713765" cy="735842"/>
+          </a:xfrm>
+          <a:prstGeom prst="rect">
+            <a:avLst/>
+          </a:prstGeom>
+        </p:spPr>
+        <p:txBody>
+          <a:bodyPr wrap="square">
+            <a:spAutoFit/>
+          </a:bodyPr>
+          <a:lstStyle/>
+          <a:p>
+            <a:pPr algn="ctr" latinLnBrk="0">
+              <a:lnSpc>
+                <a:spcPct val="150000"/>
+              </a:lnSpc>
+              <a:defRPr/>
+            </a:pPr>
+            <a:r>
+              <a:rPr lang="en-US" altLang="ko-KR" sz="3200" b="1" i="1" kern="0" dirty="0">
+                <a:solidFill>
+                  <a:srgbClr val="FF7876"/>
+                </a:solidFill>
+              </a:rPr>
+              <a:t>3</a:t>
+            </a:r>
+          </a:p>
+        </p:txBody>
+      </p:sp>
+      <p:cxnSp>
+        <p:nvCxnSpPr>
+          <p:cNvPr id="38" name="직선 연결선 37">
+            <a:extLst>
+              <a:ext uri="{FF2B5EF4-FFF2-40B4-BE49-F238E27FC236}">
+                <a16:creationId xmlns:a16="http://schemas.microsoft.com/office/drawing/2014/main" id="{940134F4-F272-426A-B50B-8075427DF501}"/>
+              </a:ext>
+            </a:extLst>
+          </p:cNvPr>
+          <p:cNvCxnSpPr>
+            <a:cxnSpLocks/>
+          </p:cNvCxnSpPr>
+          <p:nvPr/>
+        </p:nvCxnSpPr>
+        <p:spPr>
+          <a:xfrm flipV="1">
+            <a:off x="843148" y="847712"/>
+            <a:ext cx="4769087" cy="1"/>
+          </a:xfrm>
+          <a:prstGeom prst="line">
+            <a:avLst/>
+          </a:prstGeom>
+          <a:ln w="6350">
+            <a:solidFill>
+              <a:srgbClr val="FF7876"/>
+            </a:solidFill>
+            <a:prstDash val="sysDash"/>
+            <a:tailEnd type="oval"/>
+          </a:ln>
+        </p:spPr>
+        <p:style>
+          <a:lnRef idx="1">
+            <a:schemeClr val="accent1"/>
+          </a:lnRef>
+          <a:fillRef idx="0">
+            <a:schemeClr val="accent1"/>
+          </a:fillRef>
+          <a:effectRef idx="0">
+            <a:schemeClr val="accent1"/>
+          </a:effectRef>
+          <a:fontRef idx="minor">
+            <a:schemeClr val="tx1"/>
+          </a:fontRef>
+        </p:style>
+      </p:cxnSp>
+      <p:cxnSp>
+        <p:nvCxnSpPr>
+          <p:cNvPr id="39" name="직선 연결선 38">
+            <a:extLst>
+              <a:ext uri="{FF2B5EF4-FFF2-40B4-BE49-F238E27FC236}">
+                <a16:creationId xmlns:a16="http://schemas.microsoft.com/office/drawing/2014/main" id="{55EBD739-0979-4546-8E6B-9CA8052FC540}"/>
+              </a:ext>
+            </a:extLst>
+          </p:cNvPr>
+          <p:cNvCxnSpPr>
+            <a:cxnSpLocks/>
+          </p:cNvCxnSpPr>
+          <p:nvPr/>
+        </p:nvCxnSpPr>
+        <p:spPr>
+          <a:xfrm flipH="1">
+            <a:off x="6579767" y="847712"/>
+            <a:ext cx="4692810" cy="0"/>
+          </a:xfrm>
+          <a:prstGeom prst="line">
+            <a:avLst/>
+          </a:prstGeom>
+          <a:ln w="6350">
+            <a:solidFill>
+              <a:srgbClr val="FF7876"/>
+            </a:solidFill>
+            <a:prstDash val="sysDash"/>
+            <a:tailEnd type="oval"/>
+          </a:ln>
+        </p:spPr>
+        <p:style>
+          <a:lnRef idx="1">
+            <a:schemeClr val="accent1"/>
+          </a:lnRef>
+          <a:fillRef idx="0">
+            <a:schemeClr val="accent1"/>
+          </a:fillRef>
+          <a:effectRef idx="0">
+            <a:schemeClr val="accent1"/>
+          </a:effectRef>
+          <a:fontRef idx="minor">
+            <a:schemeClr val="tx1"/>
+          </a:fontRef>
+        </p:style>
+      </p:cxnSp>
+      <p:sp>
+        <p:nvSpPr>
+          <p:cNvPr id="8" name="TextBox 7">
+            <a:extLst>
+              <a:ext uri="{FF2B5EF4-FFF2-40B4-BE49-F238E27FC236}">
+                <a16:creationId xmlns:a16="http://schemas.microsoft.com/office/drawing/2014/main" id="{C18154B9-4F65-4277-8C17-63D9702FC25F}"/>
+              </a:ext>
+            </a:extLst>
+          </p:cNvPr>
+          <p:cNvSpPr txBox="1"/>
+          <p:nvPr/>
+        </p:nvSpPr>
+        <p:spPr>
+          <a:xfrm>
+            <a:off x="765146" y="963122"/>
+            <a:ext cx="10507430" cy="261610"/>
+          </a:xfrm>
+          <a:prstGeom prst="rect">
+            <a:avLst/>
+          </a:prstGeom>
+          <a:noFill/>
+        </p:spPr>
+        <p:txBody>
+          <a:bodyPr wrap="square" rtlCol="0">
+            <a:spAutoFit/>
+          </a:bodyPr>
+          <a:lstStyle/>
+          <a:p>
+            <a:pPr algn="ctr"/>
+            <a:r>
+              <a:rPr lang="ko-Kore-KR" altLang="en-US" sz="1100" i="1" dirty="0">
+                <a:solidFill>
+                  <a:srgbClr val="FF7876"/>
+                </a:solidFill>
+              </a:rPr>
+              <a:t>임의 프로그램</a:t>
+            </a:r>
+            <a:endParaRPr lang="en-US" altLang="ko-KR" sz="1100" i="1" dirty="0">
+              <a:solidFill>
+                <a:srgbClr val="FF7876"/>
+              </a:solidFill>
+            </a:endParaRPr>
+          </a:p>
+        </p:txBody>
+      </p:sp>
+      <p:sp>
+        <p:nvSpPr>
+          <p:cNvPr id="44" name="TextBox 43">
+            <a:extLst>
+              <a:ext uri="{FF2B5EF4-FFF2-40B4-BE49-F238E27FC236}">
+                <a16:creationId xmlns:a16="http://schemas.microsoft.com/office/drawing/2014/main" id="{FFAFEF72-DA94-0C4C-A7C0-3C5BFDFFBAAF}"/>
+              </a:ext>
+            </a:extLst>
+          </p:cNvPr>
+          <p:cNvSpPr txBox="1"/>
+          <p:nvPr/>
+        </p:nvSpPr>
+        <p:spPr>
+          <a:xfrm>
+            <a:off x="3262171" y="5894878"/>
+            <a:ext cx="5513379" cy="430887"/>
+          </a:xfrm>
+          <a:prstGeom prst="rect">
+            <a:avLst/>
+          </a:prstGeom>
+          <a:noFill/>
+          <a:ln w="12700">
+            <a:solidFill>
+              <a:srgbClr val="FF7876"/>
+            </a:solidFill>
+          </a:ln>
+        </p:spPr>
+        <p:txBody>
+          <a:bodyPr wrap="square" rtlCol="0">
+            <a:spAutoFit/>
+          </a:bodyPr>
+          <a:lstStyle/>
+          <a:p>
+            <a:pPr algn="ctr"/>
+            <a:r>
+              <a:rPr lang="en-US" altLang="ko-Kore-KR" sz="1100" dirty="0"/>
+              <a:t>DB</a:t>
+            </a:r>
+            <a:r>
+              <a:rPr lang="ko-Kore-KR" altLang="en-US" sz="1100" dirty="0"/>
+              <a:t>내의 각 테이블에 저장된 값들입니다</a:t>
+            </a:r>
+            <a:r>
+              <a:rPr lang="en-US" altLang="ko-Kore-KR" sz="1100" dirty="0"/>
+              <a:t>.</a:t>
+            </a:r>
+          </a:p>
+          <a:p>
+            <a:pPr algn="ctr"/>
+            <a:r>
+              <a:rPr lang="ko-Kore-KR" altLang="en-US" sz="1100" dirty="0"/>
+              <a:t>정상적으로 적용 된 것을 볼 수 있습니다</a:t>
+            </a:r>
+            <a:r>
+              <a:rPr lang="en-US" altLang="ko-Kore-KR" sz="1100" dirty="0"/>
+              <a:t>.</a:t>
+            </a:r>
+          </a:p>
+        </p:txBody>
+      </p:sp>
+      <p:pic>
+        <p:nvPicPr>
+          <p:cNvPr id="4" name="그림 3">
+            <a:extLst>
+              <a:ext uri="{FF2B5EF4-FFF2-40B4-BE49-F238E27FC236}">
+                <a16:creationId xmlns:a16="http://schemas.microsoft.com/office/drawing/2014/main" id="{70D8D9C4-07B7-0544-9D17-A34C90D21B08}"/>
+              </a:ext>
+            </a:extLst>
+          </p:cNvPr>
+          <p:cNvPicPr>
+            <a:picLocks noChangeAspect="1"/>
+          </p:cNvPicPr>
+          <p:nvPr/>
+        </p:nvPicPr>
+        <p:blipFill>
+          <a:blip r:embed="rId2"/>
+          <a:stretch>
+            <a:fillRect/>
+          </a:stretch>
+        </p:blipFill>
+        <p:spPr>
+          <a:xfrm>
+            <a:off x="494887" y="1261533"/>
+            <a:ext cx="5491552" cy="4334933"/>
+          </a:xfrm>
+          <a:prstGeom prst="rect">
+            <a:avLst/>
+          </a:prstGeom>
+        </p:spPr>
+      </p:pic>
+      <p:pic>
+        <p:nvPicPr>
+          <p:cNvPr id="5" name="그림 4">
+            <a:extLst>
+              <a:ext uri="{FF2B5EF4-FFF2-40B4-BE49-F238E27FC236}">
+                <a16:creationId xmlns:a16="http://schemas.microsoft.com/office/drawing/2014/main" id="{EBBAB8C4-22EB-8940-8D5A-9349E9252C10}"/>
+              </a:ext>
+            </a:extLst>
+          </p:cNvPr>
+          <p:cNvPicPr>
+            <a:picLocks noChangeAspect="1"/>
+          </p:cNvPicPr>
+          <p:nvPr/>
+        </p:nvPicPr>
+        <p:blipFill>
+          <a:blip r:embed="rId3"/>
+          <a:stretch>
+            <a:fillRect/>
+          </a:stretch>
+        </p:blipFill>
+        <p:spPr>
+          <a:xfrm>
+            <a:off x="6230963" y="1220913"/>
+            <a:ext cx="5597473" cy="4418545"/>
+          </a:xfrm>
+          <a:prstGeom prst="rect">
+            <a:avLst/>
+          </a:prstGeom>
+        </p:spPr>
+      </p:pic>
+    </p:spTree>
+    <p:extLst>
+      <p:ext uri="{BB962C8B-B14F-4D97-AF65-F5344CB8AC3E}">
+        <p14:creationId xmlns:p14="http://schemas.microsoft.com/office/powerpoint/2010/main" val="4045509562"/>
+      </p:ext>
+    </p:extLst>
+  </p:cSld>
+  <p:clrMapOvr>
+    <a:masterClrMapping/>
+  </p:clrMapOvr>
+</p:sld>
+</file>
+
+<file path=ppt/slides/slide15.xml><?xml version="1.0" encoding="utf-8"?>
+<p:sld xmlns:a="http://schemas.openxmlformats.org/drawingml/2006/main" xmlns:r="http://schemas.openxmlformats.org/officeDocument/2006/relationships" xmlns:p="http://schemas.openxmlformats.org/presentationml/2006/main">
+  <p:cSld>
+    <p:spTree>
+      <p:nvGrpSpPr>
+        <p:cNvPr id="1" name=""/>
+        <p:cNvGrpSpPr/>
+        <p:nvPr/>
+      </p:nvGrpSpPr>
+      <p:grpSpPr>
+        <a:xfrm>
+          <a:off x="0" y="0"/>
+          <a:ext cx="0" cy="0"/>
+          <a:chOff x="0" y="0"/>
+          <a:chExt cx="0" cy="0"/>
+        </a:xfrm>
+      </p:grpSpPr>
+      <p:sp>
+        <p:nvSpPr>
+          <p:cNvPr id="37" name="직사각형 36">
+            <a:extLst>
+              <a:ext uri="{FF2B5EF4-FFF2-40B4-BE49-F238E27FC236}">
+                <a16:creationId xmlns:a16="http://schemas.microsoft.com/office/drawing/2014/main" id="{3F15C60C-17FE-422D-AFCF-73C75A021362}"/>
+              </a:ext>
+            </a:extLst>
+          </p:cNvPr>
+          <p:cNvSpPr/>
+          <p:nvPr/>
+        </p:nvSpPr>
+        <p:spPr>
+          <a:xfrm>
+            <a:off x="3697172" y="332194"/>
+            <a:ext cx="4713765" cy="735842"/>
+          </a:xfrm>
+          <a:prstGeom prst="rect">
+            <a:avLst/>
+          </a:prstGeom>
+        </p:spPr>
+        <p:txBody>
+          <a:bodyPr wrap="square">
+            <a:spAutoFit/>
+          </a:bodyPr>
+          <a:lstStyle/>
+          <a:p>
+            <a:pPr algn="ctr" latinLnBrk="0">
+              <a:lnSpc>
+                <a:spcPct val="150000"/>
+              </a:lnSpc>
+              <a:defRPr/>
+            </a:pPr>
+            <a:r>
+              <a:rPr lang="en-US" altLang="ko-KR" sz="3200" b="1" i="1" kern="0" dirty="0">
+                <a:solidFill>
+                  <a:srgbClr val="FF7876"/>
+                </a:solidFill>
+              </a:rPr>
+              <a:t>3</a:t>
+            </a:r>
+          </a:p>
+        </p:txBody>
+      </p:sp>
+      <p:cxnSp>
+        <p:nvCxnSpPr>
+          <p:cNvPr id="38" name="직선 연결선 37">
+            <a:extLst>
+              <a:ext uri="{FF2B5EF4-FFF2-40B4-BE49-F238E27FC236}">
+                <a16:creationId xmlns:a16="http://schemas.microsoft.com/office/drawing/2014/main" id="{940134F4-F272-426A-B50B-8075427DF501}"/>
+              </a:ext>
+            </a:extLst>
+          </p:cNvPr>
+          <p:cNvCxnSpPr>
+            <a:cxnSpLocks/>
+          </p:cNvCxnSpPr>
+          <p:nvPr/>
+        </p:nvCxnSpPr>
+        <p:spPr>
+          <a:xfrm flipV="1">
+            <a:off x="843148" y="847712"/>
+            <a:ext cx="4769087" cy="1"/>
+          </a:xfrm>
+          <a:prstGeom prst="line">
+            <a:avLst/>
+          </a:prstGeom>
+          <a:ln w="6350">
+            <a:solidFill>
+              <a:srgbClr val="FF7876"/>
+            </a:solidFill>
+            <a:prstDash val="sysDash"/>
+            <a:tailEnd type="oval"/>
+          </a:ln>
+        </p:spPr>
+        <p:style>
+          <a:lnRef idx="1">
+            <a:schemeClr val="accent1"/>
+          </a:lnRef>
+          <a:fillRef idx="0">
+            <a:schemeClr val="accent1"/>
+          </a:fillRef>
+          <a:effectRef idx="0">
+            <a:schemeClr val="accent1"/>
+          </a:effectRef>
+          <a:fontRef idx="minor">
+            <a:schemeClr val="tx1"/>
+          </a:fontRef>
+        </p:style>
+      </p:cxnSp>
+      <p:cxnSp>
+        <p:nvCxnSpPr>
+          <p:cNvPr id="39" name="직선 연결선 38">
+            <a:extLst>
+              <a:ext uri="{FF2B5EF4-FFF2-40B4-BE49-F238E27FC236}">
+                <a16:creationId xmlns:a16="http://schemas.microsoft.com/office/drawing/2014/main" id="{55EBD739-0979-4546-8E6B-9CA8052FC540}"/>
+              </a:ext>
+            </a:extLst>
+          </p:cNvPr>
+          <p:cNvCxnSpPr>
+            <a:cxnSpLocks/>
+          </p:cNvCxnSpPr>
+          <p:nvPr/>
+        </p:nvCxnSpPr>
+        <p:spPr>
+          <a:xfrm flipH="1">
+            <a:off x="6579767" y="847712"/>
+            <a:ext cx="4692810" cy="0"/>
+          </a:xfrm>
+          <a:prstGeom prst="line">
+            <a:avLst/>
+          </a:prstGeom>
+          <a:ln w="6350">
+            <a:solidFill>
+              <a:srgbClr val="FF7876"/>
+            </a:solidFill>
+            <a:prstDash val="sysDash"/>
+            <a:tailEnd type="oval"/>
+          </a:ln>
+        </p:spPr>
+        <p:style>
+          <a:lnRef idx="1">
+            <a:schemeClr val="accent1"/>
+          </a:lnRef>
+          <a:fillRef idx="0">
+            <a:schemeClr val="accent1"/>
+          </a:fillRef>
+          <a:effectRef idx="0">
+            <a:schemeClr val="accent1"/>
+          </a:effectRef>
+          <a:fontRef idx="minor">
+            <a:schemeClr val="tx1"/>
+          </a:fontRef>
+        </p:style>
+      </p:cxnSp>
+      <p:sp>
+        <p:nvSpPr>
+          <p:cNvPr id="8" name="TextBox 7">
+            <a:extLst>
+              <a:ext uri="{FF2B5EF4-FFF2-40B4-BE49-F238E27FC236}">
+                <a16:creationId xmlns:a16="http://schemas.microsoft.com/office/drawing/2014/main" id="{C18154B9-4F65-4277-8C17-63D9702FC25F}"/>
+              </a:ext>
+            </a:extLst>
+          </p:cNvPr>
+          <p:cNvSpPr txBox="1"/>
+          <p:nvPr/>
+        </p:nvSpPr>
+        <p:spPr>
+          <a:xfrm>
+            <a:off x="765146" y="963122"/>
+            <a:ext cx="10507430" cy="261610"/>
+          </a:xfrm>
+          <a:prstGeom prst="rect">
+            <a:avLst/>
+          </a:prstGeom>
+          <a:noFill/>
+        </p:spPr>
+        <p:txBody>
+          <a:bodyPr wrap="square" rtlCol="0">
+            <a:spAutoFit/>
+          </a:bodyPr>
+          <a:lstStyle/>
+          <a:p>
+            <a:pPr algn="ctr"/>
+            <a:r>
+              <a:rPr lang="ko-Kore-KR" altLang="en-US" sz="1100" i="1" dirty="0">
+                <a:solidFill>
+                  <a:srgbClr val="FF7876"/>
+                </a:solidFill>
+              </a:rPr>
+              <a:t>임의 프로그램</a:t>
+            </a:r>
+            <a:endParaRPr lang="en-US" altLang="ko-KR" sz="1100" i="1" dirty="0">
+              <a:solidFill>
+                <a:srgbClr val="FF7876"/>
+              </a:solidFill>
+            </a:endParaRPr>
+          </a:p>
+        </p:txBody>
+      </p:sp>
+      <p:sp>
+        <p:nvSpPr>
+          <p:cNvPr id="44" name="TextBox 43">
+            <a:extLst>
+              <a:ext uri="{FF2B5EF4-FFF2-40B4-BE49-F238E27FC236}">
+                <a16:creationId xmlns:a16="http://schemas.microsoft.com/office/drawing/2014/main" id="{FFAFEF72-DA94-0C4C-A7C0-3C5BFDFFBAAF}"/>
+              </a:ext>
+            </a:extLst>
+          </p:cNvPr>
+          <p:cNvSpPr txBox="1"/>
+          <p:nvPr/>
+        </p:nvSpPr>
+        <p:spPr>
+          <a:xfrm>
+            <a:off x="2752639" y="5354578"/>
+            <a:ext cx="6686722" cy="1107996"/>
+          </a:xfrm>
+          <a:prstGeom prst="rect">
+            <a:avLst/>
+          </a:prstGeom>
+          <a:noFill/>
+          <a:ln w="12700">
+            <a:solidFill>
+              <a:srgbClr val="FF7876"/>
+            </a:solidFill>
+          </a:ln>
+        </p:spPr>
+        <p:txBody>
+          <a:bodyPr wrap="square" rtlCol="0">
+            <a:spAutoFit/>
+          </a:bodyPr>
+          <a:lstStyle/>
+          <a:p>
+            <a:pPr algn="ctr"/>
+            <a:r>
+              <a:rPr lang="ko-Kore-KR" altLang="en-US" sz="1100" dirty="0"/>
+              <a:t>웹 표현에 대한 부분은 지난 </a:t>
+            </a:r>
+            <a:r>
+              <a:rPr lang="en-US" altLang="ko-Kore-KR" sz="1100" dirty="0"/>
+              <a:t>4</a:t>
+            </a:r>
+            <a:r>
+              <a:rPr lang="ko-Kore-KR" altLang="en-US" sz="1100" dirty="0"/>
+              <a:t>주차 과제에서 추가시킨 부분을 설명드리겠습니다</a:t>
+            </a:r>
+            <a:r>
+              <a:rPr lang="en-US" altLang="ko-Kore-KR" sz="1100" dirty="0"/>
+              <a:t>.</a:t>
+            </a:r>
+          </a:p>
+          <a:p>
+            <a:pPr algn="ctr"/>
+            <a:r>
+              <a:rPr lang="ko-Kore-KR" altLang="en-US" sz="1100" dirty="0"/>
+              <a:t>먼저 </a:t>
+            </a:r>
+            <a:r>
+              <a:rPr lang="en-US" altLang="ko-Kore-KR" sz="1100" dirty="0"/>
+              <a:t>DB</a:t>
+            </a:r>
+            <a:r>
+              <a:rPr lang="ko-Kore-KR" altLang="en-US" sz="1100" dirty="0"/>
+              <a:t>파일을 연결시킨후 날짜 입력시 숫자 </a:t>
+            </a:r>
+            <a:r>
+              <a:rPr lang="en-US" altLang="ko-Kore-KR" sz="1100" dirty="0"/>
+              <a:t>0</a:t>
+            </a:r>
+            <a:r>
+              <a:rPr lang="ko-Kore-KR" altLang="en-US" sz="1100" dirty="0"/>
+              <a:t>이 먼저 와있는 경우에 대한 필터링을 진행시켜 </a:t>
+            </a:r>
+            <a:r>
+              <a:rPr lang="en-US" altLang="ko-Kore-KR" sz="1100" dirty="0"/>
+              <a:t>DB</a:t>
+            </a:r>
+            <a:r>
+              <a:rPr lang="ko-Kore-KR" altLang="en-US" sz="1100" dirty="0"/>
+              <a:t>파일 내 날짜형식에 맞도록 하였습니다</a:t>
+            </a:r>
+            <a:r>
+              <a:rPr lang="en-US" altLang="ko-Kore-KR" sz="1100" dirty="0"/>
+              <a:t>.</a:t>
+            </a:r>
+          </a:p>
+          <a:p>
+            <a:pPr algn="ctr"/>
+            <a:r>
+              <a:rPr lang="ko-Kore-KR" altLang="en-US" sz="1100" dirty="0"/>
+              <a:t>다음 </a:t>
+            </a:r>
+            <a:r>
+              <a:rPr lang="en-US" altLang="ko-Kore-KR" sz="1100" dirty="0" err="1"/>
+              <a:t>cursor.execute</a:t>
+            </a:r>
+            <a:r>
+              <a:rPr lang="ko-Kore-KR" altLang="en-US" sz="1100" dirty="0"/>
+              <a:t>와 </a:t>
+            </a:r>
+            <a:r>
+              <a:rPr lang="en-US" altLang="ko-Kore-KR" sz="1100" dirty="0" err="1"/>
+              <a:t>fetchone</a:t>
+            </a:r>
+            <a:r>
+              <a:rPr lang="ko-Kore-KR" altLang="en-US" sz="1100" dirty="0"/>
+              <a:t>으로 작성한 </a:t>
+            </a:r>
+            <a:r>
+              <a:rPr lang="en-US" altLang="ko-Kore-KR" sz="1100" dirty="0" err="1"/>
+              <a:t>sql</a:t>
+            </a:r>
+            <a:r>
+              <a:rPr lang="ko-Kore-KR" altLang="en-US" sz="1100" dirty="0"/>
+              <a:t>문에 부합한 데이터를 추출하도록하여</a:t>
+            </a:r>
+            <a:endParaRPr lang="en-US" altLang="ko-Kore-KR" sz="1100" dirty="0"/>
+          </a:p>
+          <a:p>
+            <a:pPr algn="ctr"/>
+            <a:r>
+              <a:rPr lang="en-US" altLang="ko-Kore-KR" sz="1100" dirty="0"/>
+              <a:t>flower</a:t>
+            </a:r>
+            <a:r>
+              <a:rPr lang="ko-Kore-KR" altLang="en-US" sz="1100" dirty="0"/>
+              <a:t>엔 탄생화정보</a:t>
+            </a:r>
+            <a:r>
+              <a:rPr lang="en-US" altLang="ko-Kore-KR" sz="1100" dirty="0"/>
+              <a:t>, stone</a:t>
+            </a:r>
+            <a:r>
+              <a:rPr lang="ko-Kore-KR" altLang="en-US" sz="1100" dirty="0"/>
+              <a:t>에는 탄생석에 대한 정보를 저장하도록하고 난 후</a:t>
+            </a:r>
+            <a:endParaRPr lang="en-US" altLang="ko-Kore-KR" sz="1100" dirty="0"/>
+          </a:p>
+          <a:p>
+            <a:pPr algn="ctr"/>
+            <a:r>
+              <a:rPr lang="en-US" altLang="ko-Kore-KR" sz="1100" dirty="0" err="1"/>
+              <a:t>render_template</a:t>
+            </a:r>
+            <a:r>
+              <a:rPr lang="ko-Kore-KR" altLang="en-US" sz="1100" dirty="0"/>
+              <a:t>시 해당 리스트데이터를 전송하도록 하였습니다</a:t>
+            </a:r>
+            <a:r>
+              <a:rPr lang="en-US" altLang="ko-Kore-KR" sz="1100" dirty="0"/>
+              <a:t>.</a:t>
+            </a:r>
+          </a:p>
+        </p:txBody>
+      </p:sp>
+      <p:pic>
+        <p:nvPicPr>
+          <p:cNvPr id="2" name="그림 1">
+            <a:extLst>
+              <a:ext uri="{FF2B5EF4-FFF2-40B4-BE49-F238E27FC236}">
+                <a16:creationId xmlns:a16="http://schemas.microsoft.com/office/drawing/2014/main" id="{CE7EC266-42B6-F349-BACB-6A0C0B859903}"/>
+              </a:ext>
+            </a:extLst>
+          </p:cNvPr>
+          <p:cNvPicPr>
+            <a:picLocks noChangeAspect="1"/>
+          </p:cNvPicPr>
+          <p:nvPr/>
+        </p:nvPicPr>
+        <p:blipFill>
+          <a:blip r:embed="rId2"/>
+          <a:stretch>
+            <a:fillRect/>
+          </a:stretch>
+        </p:blipFill>
+        <p:spPr>
+          <a:xfrm>
+            <a:off x="2404981" y="1583554"/>
+            <a:ext cx="7382038" cy="3158744"/>
+          </a:xfrm>
+          <a:prstGeom prst="rect">
+            <a:avLst/>
+          </a:prstGeom>
+        </p:spPr>
+      </p:pic>
+    </p:spTree>
+    <p:extLst>
+      <p:ext uri="{BB962C8B-B14F-4D97-AF65-F5344CB8AC3E}">
+        <p14:creationId xmlns:p14="http://schemas.microsoft.com/office/powerpoint/2010/main" val="1628990130"/>
+      </p:ext>
+    </p:extLst>
+  </p:cSld>
+  <p:clrMapOvr>
+    <a:masterClrMapping/>
+  </p:clrMapOvr>
+</p:sld>
+</file>
+
+<file path=ppt/slides/slide16.xml><?xml version="1.0" encoding="utf-8"?>
+<p:sld xmlns:a="http://schemas.openxmlformats.org/drawingml/2006/main" xmlns:r="http://schemas.openxmlformats.org/officeDocument/2006/relationships" xmlns:p="http://schemas.openxmlformats.org/presentationml/2006/main">
+  <p:cSld>
+    <p:spTree>
+      <p:nvGrpSpPr>
+        <p:cNvPr id="1" name=""/>
+        <p:cNvGrpSpPr/>
+        <p:nvPr/>
+      </p:nvGrpSpPr>
+      <p:grpSpPr>
+        <a:xfrm>
+          <a:off x="0" y="0"/>
+          <a:ext cx="0" cy="0"/>
+          <a:chOff x="0" y="0"/>
+          <a:chExt cx="0" cy="0"/>
+        </a:xfrm>
+      </p:grpSpPr>
+      <p:sp>
+        <p:nvSpPr>
+          <p:cNvPr id="37" name="직사각형 36">
+            <a:extLst>
+              <a:ext uri="{FF2B5EF4-FFF2-40B4-BE49-F238E27FC236}">
+                <a16:creationId xmlns:a16="http://schemas.microsoft.com/office/drawing/2014/main" id="{3F15C60C-17FE-422D-AFCF-73C75A021362}"/>
+              </a:ext>
+            </a:extLst>
+          </p:cNvPr>
+          <p:cNvSpPr/>
+          <p:nvPr/>
+        </p:nvSpPr>
+        <p:spPr>
+          <a:xfrm>
+            <a:off x="3697172" y="332194"/>
+            <a:ext cx="4713765" cy="735842"/>
+          </a:xfrm>
+          <a:prstGeom prst="rect">
+            <a:avLst/>
+          </a:prstGeom>
+        </p:spPr>
+        <p:txBody>
+          <a:bodyPr wrap="square">
+            <a:spAutoFit/>
+          </a:bodyPr>
+          <a:lstStyle/>
+          <a:p>
+            <a:pPr algn="ctr" latinLnBrk="0">
+              <a:lnSpc>
+                <a:spcPct val="150000"/>
+              </a:lnSpc>
+              <a:defRPr/>
+            </a:pPr>
+            <a:r>
+              <a:rPr lang="en-US" altLang="ko-KR" sz="3200" b="1" i="1" kern="0" dirty="0">
+                <a:solidFill>
+                  <a:srgbClr val="FF7876"/>
+                </a:solidFill>
+              </a:rPr>
+              <a:t>3</a:t>
+            </a:r>
+          </a:p>
+        </p:txBody>
+      </p:sp>
+      <p:cxnSp>
+        <p:nvCxnSpPr>
+          <p:cNvPr id="38" name="직선 연결선 37">
+            <a:extLst>
+              <a:ext uri="{FF2B5EF4-FFF2-40B4-BE49-F238E27FC236}">
+                <a16:creationId xmlns:a16="http://schemas.microsoft.com/office/drawing/2014/main" id="{940134F4-F272-426A-B50B-8075427DF501}"/>
+              </a:ext>
+            </a:extLst>
+          </p:cNvPr>
+          <p:cNvCxnSpPr>
+            <a:cxnSpLocks/>
+          </p:cNvCxnSpPr>
+          <p:nvPr/>
+        </p:nvCxnSpPr>
+        <p:spPr>
+          <a:xfrm flipV="1">
+            <a:off x="843148" y="847712"/>
+            <a:ext cx="4769087" cy="1"/>
+          </a:xfrm>
+          <a:prstGeom prst="line">
+            <a:avLst/>
+          </a:prstGeom>
+          <a:ln w="6350">
+            <a:solidFill>
+              <a:srgbClr val="FF7876"/>
+            </a:solidFill>
+            <a:prstDash val="sysDash"/>
+            <a:tailEnd type="oval"/>
+          </a:ln>
+        </p:spPr>
+        <p:style>
+          <a:lnRef idx="1">
+            <a:schemeClr val="accent1"/>
+          </a:lnRef>
+          <a:fillRef idx="0">
+            <a:schemeClr val="accent1"/>
+          </a:fillRef>
+          <a:effectRef idx="0">
+            <a:schemeClr val="accent1"/>
+          </a:effectRef>
+          <a:fontRef idx="minor">
+            <a:schemeClr val="tx1"/>
+          </a:fontRef>
+        </p:style>
+      </p:cxnSp>
+      <p:cxnSp>
+        <p:nvCxnSpPr>
+          <p:cNvPr id="39" name="직선 연결선 38">
+            <a:extLst>
+              <a:ext uri="{FF2B5EF4-FFF2-40B4-BE49-F238E27FC236}">
+                <a16:creationId xmlns:a16="http://schemas.microsoft.com/office/drawing/2014/main" id="{55EBD739-0979-4546-8E6B-9CA8052FC540}"/>
+              </a:ext>
+            </a:extLst>
+          </p:cNvPr>
+          <p:cNvCxnSpPr>
+            <a:cxnSpLocks/>
+          </p:cNvCxnSpPr>
+          <p:nvPr/>
+        </p:nvCxnSpPr>
+        <p:spPr>
+          <a:xfrm flipH="1">
+            <a:off x="6579767" y="847712"/>
+            <a:ext cx="4692810" cy="0"/>
+          </a:xfrm>
+          <a:prstGeom prst="line">
+            <a:avLst/>
+          </a:prstGeom>
+          <a:ln w="6350">
+            <a:solidFill>
+              <a:srgbClr val="FF7876"/>
+            </a:solidFill>
+            <a:prstDash val="sysDash"/>
+            <a:tailEnd type="oval"/>
+          </a:ln>
+        </p:spPr>
+        <p:style>
+          <a:lnRef idx="1">
+            <a:schemeClr val="accent1"/>
+          </a:lnRef>
+          <a:fillRef idx="0">
+            <a:schemeClr val="accent1"/>
+          </a:fillRef>
+          <a:effectRef idx="0">
+            <a:schemeClr val="accent1"/>
+          </a:effectRef>
+          <a:fontRef idx="minor">
+            <a:schemeClr val="tx1"/>
+          </a:fontRef>
+        </p:style>
+      </p:cxnSp>
+      <p:sp>
+        <p:nvSpPr>
+          <p:cNvPr id="8" name="TextBox 7">
+            <a:extLst>
+              <a:ext uri="{FF2B5EF4-FFF2-40B4-BE49-F238E27FC236}">
+                <a16:creationId xmlns:a16="http://schemas.microsoft.com/office/drawing/2014/main" id="{C18154B9-4F65-4277-8C17-63D9702FC25F}"/>
+              </a:ext>
+            </a:extLst>
+          </p:cNvPr>
+          <p:cNvSpPr txBox="1"/>
+          <p:nvPr/>
+        </p:nvSpPr>
+        <p:spPr>
+          <a:xfrm>
+            <a:off x="765146" y="963122"/>
+            <a:ext cx="10507430" cy="261610"/>
+          </a:xfrm>
+          <a:prstGeom prst="rect">
+            <a:avLst/>
+          </a:prstGeom>
+          <a:noFill/>
+        </p:spPr>
+        <p:txBody>
+          <a:bodyPr wrap="square" rtlCol="0">
+            <a:spAutoFit/>
+          </a:bodyPr>
+          <a:lstStyle/>
+          <a:p>
+            <a:pPr algn="ctr"/>
+            <a:r>
+              <a:rPr lang="ko-Kore-KR" altLang="en-US" sz="1100" i="1" dirty="0">
+                <a:solidFill>
+                  <a:srgbClr val="FF7876"/>
+                </a:solidFill>
+              </a:rPr>
+              <a:t>임의 프로그램</a:t>
+            </a:r>
+            <a:endParaRPr lang="en-US" altLang="ko-KR" sz="1100" i="1" dirty="0">
+              <a:solidFill>
+                <a:srgbClr val="FF7876"/>
+              </a:solidFill>
+            </a:endParaRPr>
+          </a:p>
+        </p:txBody>
+      </p:sp>
+      <p:sp>
+        <p:nvSpPr>
+          <p:cNvPr id="44" name="TextBox 43">
+            <a:extLst>
+              <a:ext uri="{FF2B5EF4-FFF2-40B4-BE49-F238E27FC236}">
+                <a16:creationId xmlns:a16="http://schemas.microsoft.com/office/drawing/2014/main" id="{FFAFEF72-DA94-0C4C-A7C0-3C5BFDFFBAAF}"/>
+              </a:ext>
+            </a:extLst>
+          </p:cNvPr>
+          <p:cNvSpPr txBox="1"/>
+          <p:nvPr/>
+        </p:nvSpPr>
+        <p:spPr>
+          <a:xfrm>
+            <a:off x="2752639" y="5354578"/>
+            <a:ext cx="6686722" cy="938719"/>
+          </a:xfrm>
+          <a:prstGeom prst="rect">
+            <a:avLst/>
+          </a:prstGeom>
+          <a:noFill/>
+          <a:ln w="12700">
+            <a:solidFill>
+              <a:srgbClr val="FF7876"/>
+            </a:solidFill>
+          </a:ln>
+        </p:spPr>
+        <p:txBody>
+          <a:bodyPr wrap="square" rtlCol="0">
+            <a:spAutoFit/>
+          </a:bodyPr>
+          <a:lstStyle/>
+          <a:p>
+            <a:pPr algn="ctr"/>
+            <a:r>
+              <a:rPr lang="ko-Kore-KR" altLang="en-US" sz="1100" dirty="0"/>
+              <a:t>다음 </a:t>
+            </a:r>
+            <a:r>
+              <a:rPr lang="en-US" altLang="ko-Kore-KR" sz="1100" dirty="0"/>
+              <a:t>html</a:t>
+            </a:r>
+            <a:r>
+              <a:rPr lang="ko-Kore-KR" altLang="en-US" sz="1100" dirty="0"/>
+              <a:t>상에서 탄생석과 탄생화의 입력으로 인한 변경점 입니다</a:t>
+            </a:r>
+            <a:r>
+              <a:rPr lang="en-US" altLang="ko-Kore-KR" sz="1100" dirty="0"/>
+              <a:t>.</a:t>
+            </a:r>
+          </a:p>
+          <a:p>
+            <a:pPr algn="ctr"/>
+            <a:r>
+              <a:rPr lang="ko-Kore-KR" altLang="en-US" sz="1100" dirty="0"/>
+              <a:t>매개변수로 탄생화의 정보를 담은 </a:t>
+            </a:r>
+            <a:r>
+              <a:rPr lang="en-US" altLang="ko-Kore-KR" sz="1100" dirty="0"/>
+              <a:t>flower</a:t>
+            </a:r>
+            <a:r>
+              <a:rPr lang="ko-Kore-KR" altLang="en-US" sz="1100" dirty="0"/>
+              <a:t>리스트변수에서 </a:t>
+            </a:r>
+            <a:r>
+              <a:rPr lang="en-US" altLang="ko-Kore-KR" sz="1100" dirty="0"/>
+              <a:t>2</a:t>
+            </a:r>
+            <a:r>
+              <a:rPr lang="ko-Kore-KR" altLang="en-US" sz="1100" dirty="0"/>
+              <a:t>번째 데이터</a:t>
+            </a:r>
+            <a:r>
+              <a:rPr lang="en-US" altLang="ko-Kore-KR" sz="1100" dirty="0"/>
+              <a:t>(</a:t>
+            </a:r>
+            <a:r>
+              <a:rPr lang="ko-Kore-KR" altLang="en-US" sz="1100" dirty="0"/>
+              <a:t>이름</a:t>
+            </a:r>
+            <a:r>
+              <a:rPr lang="en-US" altLang="ko-KR" sz="1100" dirty="0"/>
+              <a:t>)</a:t>
+            </a:r>
+            <a:r>
+              <a:rPr lang="ko-KR" altLang="en-US" sz="1100" dirty="0"/>
+              <a:t>와</a:t>
+            </a:r>
+            <a:endParaRPr lang="en-US" altLang="ko-KR" sz="1100" dirty="0"/>
+          </a:p>
+          <a:p>
+            <a:pPr algn="ctr"/>
+            <a:r>
+              <a:rPr lang="en-US" altLang="ko-Kore-KR" sz="1100" dirty="0"/>
+              <a:t>3</a:t>
+            </a:r>
+            <a:r>
+              <a:rPr lang="ko-Kore-KR" altLang="en-US" sz="1100" dirty="0"/>
+              <a:t>번째 데이터</a:t>
+            </a:r>
+            <a:r>
+              <a:rPr lang="en-US" altLang="ko-Kore-KR" sz="1100" dirty="0"/>
+              <a:t>(</a:t>
+            </a:r>
+            <a:r>
+              <a:rPr lang="ko-Kore-KR" altLang="en-US" sz="1100" dirty="0"/>
+              <a:t>뜻말</a:t>
+            </a:r>
+            <a:r>
+              <a:rPr lang="en-US" altLang="ko-Kore-KR" sz="1100" dirty="0"/>
+              <a:t>)</a:t>
+            </a:r>
+            <a:r>
+              <a:rPr lang="ko-Kore-KR" altLang="en-US" sz="1100" dirty="0"/>
+              <a:t>를 적용시켜 출력하도록 하였습니다</a:t>
+            </a:r>
+            <a:r>
+              <a:rPr lang="en-US" altLang="ko-Kore-KR" sz="1100" dirty="0"/>
+              <a:t>.</a:t>
+            </a:r>
+          </a:p>
+          <a:p>
+            <a:pPr algn="ctr"/>
+            <a:r>
+              <a:rPr lang="en-US" altLang="ko-KR" sz="1100" dirty="0"/>
+              <a:t>( </a:t>
+            </a:r>
+            <a:r>
+              <a:rPr lang="ko-KR" altLang="en-US" sz="1100" dirty="0"/>
+              <a:t>정보 리스트 순서는 날짜 </a:t>
+            </a:r>
+            <a:r>
+              <a:rPr lang="en-US" altLang="ko-KR" sz="1100" dirty="0"/>
+              <a:t>, </a:t>
+            </a:r>
+            <a:r>
+              <a:rPr lang="ko-KR" altLang="en-US" sz="1100" dirty="0"/>
+              <a:t>이름 </a:t>
+            </a:r>
+            <a:r>
+              <a:rPr lang="en-US" altLang="ko-KR" sz="1100" dirty="0"/>
+              <a:t>, </a:t>
+            </a:r>
+            <a:r>
+              <a:rPr lang="ko-KR" altLang="en-US" sz="1100" dirty="0" err="1"/>
+              <a:t>뜻말</a:t>
+            </a:r>
+            <a:r>
+              <a:rPr lang="ko-KR" altLang="en-US" sz="1100" dirty="0"/>
+              <a:t> 순입니다</a:t>
+            </a:r>
+            <a:r>
+              <a:rPr lang="en-US" altLang="ko-KR" sz="1100" dirty="0"/>
+              <a:t>.)</a:t>
+            </a:r>
+          </a:p>
+          <a:p>
+            <a:pPr algn="ctr"/>
+            <a:r>
+              <a:rPr lang="ko-Kore-KR" altLang="en-US" sz="1100" dirty="0"/>
+              <a:t>같은 방식으로 탄생석 역시 적용시켜 출력시켰습니다</a:t>
+            </a:r>
+            <a:r>
+              <a:rPr lang="en-US" altLang="ko-Kore-KR" sz="1100"/>
+              <a:t>.</a:t>
+            </a:r>
+            <a:endParaRPr lang="en-US" altLang="ko-Kore-KR" sz="1100" dirty="0"/>
+          </a:p>
+        </p:txBody>
+      </p:sp>
+      <p:pic>
+        <p:nvPicPr>
+          <p:cNvPr id="3" name="그림 2">
+            <a:extLst>
+              <a:ext uri="{FF2B5EF4-FFF2-40B4-BE49-F238E27FC236}">
+                <a16:creationId xmlns:a16="http://schemas.microsoft.com/office/drawing/2014/main" id="{8BE34E02-8F0C-2040-82C6-2533951D8524}"/>
+              </a:ext>
+            </a:extLst>
+          </p:cNvPr>
+          <p:cNvPicPr>
+            <a:picLocks noChangeAspect="1"/>
+          </p:cNvPicPr>
+          <p:nvPr/>
+        </p:nvPicPr>
+        <p:blipFill>
+          <a:blip r:embed="rId2"/>
+          <a:stretch>
+            <a:fillRect/>
+          </a:stretch>
+        </p:blipFill>
+        <p:spPr>
+          <a:xfrm>
+            <a:off x="1832228" y="2206179"/>
+            <a:ext cx="8527544" cy="2271020"/>
+          </a:xfrm>
+          <a:prstGeom prst="rect">
+            <a:avLst/>
+          </a:prstGeom>
+        </p:spPr>
+      </p:pic>
+    </p:spTree>
+    <p:extLst>
+      <p:ext uri="{BB962C8B-B14F-4D97-AF65-F5344CB8AC3E}">
+        <p14:creationId xmlns:p14="http://schemas.microsoft.com/office/powerpoint/2010/main" val="64348642"/>
+      </p:ext>
+    </p:extLst>
+  </p:cSld>
+  <p:clrMapOvr>
+    <a:masterClrMapping/>
+  </p:clrMapOvr>
+</p:sld>
+</file>
+
+<file path=ppt/slides/slide17.xml><?xml version="1.0" encoding="utf-8"?>
 <p:sld xmlns:a="http://schemas.openxmlformats.org/drawingml/2006/main" xmlns:r="http://schemas.openxmlformats.org/officeDocument/2006/relationships" xmlns:p="http://schemas.openxmlformats.org/presentationml/2006/main">
   <p:cSld>
     <p:spTree>
